--- a/UT/01 C Unit Testing.pptx
+++ b/UT/01 C Unit Testing.pptx
@@ -7,7 +7,7 @@
     <p:sldMasterId id="2147483864" r:id="rId3"/>
   </p:sldMasterIdLst>
   <p:notesMasterIdLst>
-    <p:notesMasterId r:id="rId29"/>
+    <p:notesMasterId r:id="rId28"/>
   </p:notesMasterIdLst>
   <p:sldIdLst>
     <p:sldId id="262" r:id="rId4"/>
@@ -20,21 +20,20 @@
     <p:sldId id="291" r:id="rId11"/>
     <p:sldId id="298" r:id="rId12"/>
     <p:sldId id="293" r:id="rId13"/>
-    <p:sldId id="296" r:id="rId14"/>
-    <p:sldId id="294" r:id="rId15"/>
-    <p:sldId id="299" r:id="rId16"/>
-    <p:sldId id="308" r:id="rId17"/>
-    <p:sldId id="306" r:id="rId18"/>
-    <p:sldId id="307" r:id="rId19"/>
-    <p:sldId id="301" r:id="rId20"/>
-    <p:sldId id="300" r:id="rId21"/>
-    <p:sldId id="302" r:id="rId22"/>
-    <p:sldId id="304" r:id="rId23"/>
-    <p:sldId id="305" r:id="rId24"/>
-    <p:sldId id="292" r:id="rId25"/>
-    <p:sldId id="295" r:id="rId26"/>
-    <p:sldId id="297" r:id="rId27"/>
-    <p:sldId id="256" r:id="rId28"/>
+    <p:sldId id="294" r:id="rId14"/>
+    <p:sldId id="299" r:id="rId15"/>
+    <p:sldId id="308" r:id="rId16"/>
+    <p:sldId id="306" r:id="rId17"/>
+    <p:sldId id="307" r:id="rId18"/>
+    <p:sldId id="301" r:id="rId19"/>
+    <p:sldId id="300" r:id="rId20"/>
+    <p:sldId id="302" r:id="rId21"/>
+    <p:sldId id="304" r:id="rId22"/>
+    <p:sldId id="305" r:id="rId23"/>
+    <p:sldId id="292" r:id="rId24"/>
+    <p:sldId id="295" r:id="rId25"/>
+    <p:sldId id="297" r:id="rId26"/>
+    <p:sldId id="256" r:id="rId27"/>
   </p:sldIdLst>
   <p:sldSz cx="13004800" cy="9753600"/>
   <p:notesSz cx="6858000" cy="9144000"/>
@@ -311,7 +310,7 @@
               <a:pPr>
                 <a:defRPr/>
               </a:pPr>
-              <a:t>8/8/2016</a:t>
+              <a:t>8/10/2016</a:t>
             </a:fld>
             <a:endParaRPr lang="en-US"/>
           </a:p>
@@ -662,7 +661,7 @@
           </a:ln>
           <a:extLst>
             <a:ext uri="{909E8E84-426E-40dd-AFC4-6F175D3DCCD1}">
-              <a14:hiddenFill xmlns="" xmlns:a14="http://schemas.microsoft.com/office/drawing/2010/main">
+              <a14:hiddenFill xmlns:a14="http://schemas.microsoft.com/office/drawing/2010/main" xmlns="">
                 <a:noFill/>
               </a14:hiddenFill>
             </a:ext>
@@ -706,7 +705,7 @@
           </a:ln>
           <a:extLst>
             <a:ext uri="{909E8E84-426E-40dd-AFC4-6F175D3DCCD1}">
-              <a14:hiddenFill xmlns="" xmlns:a14="http://schemas.microsoft.com/office/drawing/2010/main">
+              <a14:hiddenFill xmlns:a14="http://schemas.microsoft.com/office/drawing/2010/main" xmlns="">
                 <a:noFill/>
               </a14:hiddenFill>
             </a:ext>
@@ -755,14 +754,14 @@
           </a:ln>
           <a:extLst>
             <a:ext uri="{909E8E84-426E-40dd-AFC4-6F175D3DCCD1}">
-              <a14:hiddenFill xmlns="" xmlns:a14="http://schemas.microsoft.com/office/drawing/2010/main">
+              <a14:hiddenFill xmlns:a14="http://schemas.microsoft.com/office/drawing/2010/main" xmlns="">
                 <a:solidFill>
                   <a:srgbClr val="FFFFFF"/>
                 </a:solidFill>
               </a14:hiddenFill>
             </a:ext>
             <a:ext uri="{91240B29-F687-4f45-9708-019B960494DF}">
-              <a14:hiddenLine xmlns="" xmlns:a14="http://schemas.microsoft.com/office/drawing/2010/main" w="9525">
+              <a14:hiddenLine xmlns:a14="http://schemas.microsoft.com/office/drawing/2010/main" xmlns="" w="9525">
                 <a:solidFill>
                   <a:srgbClr val="000000"/>
                 </a:solidFill>
@@ -1107,7 +1106,7 @@
           </a:ln>
           <a:extLst>
             <a:ext uri="{909E8E84-426E-40dd-AFC4-6F175D3DCCD1}">
-              <a14:hiddenFill xmlns="" xmlns:a14="http://schemas.microsoft.com/office/drawing/2010/main">
+              <a14:hiddenFill xmlns:a14="http://schemas.microsoft.com/office/drawing/2010/main" xmlns="">
                 <a:noFill/>
               </a14:hiddenFill>
             </a:ext>
@@ -1156,14 +1155,14 @@
           </a:ln>
           <a:extLst>
             <a:ext uri="{909E8E84-426E-40dd-AFC4-6F175D3DCCD1}">
-              <a14:hiddenFill xmlns="" xmlns:a14="http://schemas.microsoft.com/office/drawing/2010/main">
+              <a14:hiddenFill xmlns:a14="http://schemas.microsoft.com/office/drawing/2010/main" xmlns="">
                 <a:solidFill>
                   <a:srgbClr val="FFFFFF"/>
                 </a:solidFill>
               </a14:hiddenFill>
             </a:ext>
             <a:ext uri="{91240B29-F687-4f45-9708-019B960494DF}">
-              <a14:hiddenLine xmlns="" xmlns:a14="http://schemas.microsoft.com/office/drawing/2010/main" w="9525">
+              <a14:hiddenLine xmlns:a14="http://schemas.microsoft.com/office/drawing/2010/main" xmlns="" w="9525">
                 <a:solidFill>
                   <a:srgbClr val="000000"/>
                 </a:solidFill>
@@ -1390,7 +1389,7 @@
           </a:ln>
           <a:extLst>
             <a:ext uri="{909E8E84-426E-40dd-AFC4-6F175D3DCCD1}">
-              <a14:hiddenFill xmlns="" xmlns:a14="http://schemas.microsoft.com/office/drawing/2010/main">
+              <a14:hiddenFill xmlns:a14="http://schemas.microsoft.com/office/drawing/2010/main" xmlns="">
                 <a:noFill/>
               </a14:hiddenFill>
             </a:ext>
@@ -1434,7 +1433,7 @@
           </a:ln>
           <a:extLst>
             <a:ext uri="{909E8E84-426E-40dd-AFC4-6F175D3DCCD1}">
-              <a14:hiddenFill xmlns="" xmlns:a14="http://schemas.microsoft.com/office/drawing/2010/main">
+              <a14:hiddenFill xmlns:a14="http://schemas.microsoft.com/office/drawing/2010/main" xmlns="">
                 <a:noFill/>
               </a14:hiddenFill>
             </a:ext>
@@ -1483,14 +1482,14 @@
           </a:ln>
           <a:extLst>
             <a:ext uri="{909E8E84-426E-40dd-AFC4-6F175D3DCCD1}">
-              <a14:hiddenFill xmlns="" xmlns:a14="http://schemas.microsoft.com/office/drawing/2010/main">
+              <a14:hiddenFill xmlns:a14="http://schemas.microsoft.com/office/drawing/2010/main" xmlns="">
                 <a:solidFill>
                   <a:srgbClr val="FFFFFF"/>
                 </a:solidFill>
               </a14:hiddenFill>
             </a:ext>
             <a:ext uri="{91240B29-F687-4f45-9708-019B960494DF}">
-              <a14:hiddenLine xmlns="" xmlns:a14="http://schemas.microsoft.com/office/drawing/2010/main" w="9525">
+              <a14:hiddenLine xmlns:a14="http://schemas.microsoft.com/office/drawing/2010/main" xmlns="" w="9525">
                 <a:solidFill>
                   <a:srgbClr val="000000"/>
                 </a:solidFill>
@@ -1762,7 +1761,7 @@
           </a:ln>
           <a:extLst>
             <a:ext uri="{909E8E84-426E-40dd-AFC4-6F175D3DCCD1}">
-              <a14:hiddenFill xmlns="" xmlns:a14="http://schemas.microsoft.com/office/drawing/2010/main">
+              <a14:hiddenFill xmlns:a14="http://schemas.microsoft.com/office/drawing/2010/main" xmlns="">
                 <a:noFill/>
               </a14:hiddenFill>
             </a:ext>
@@ -1965,7 +1964,7 @@
           </a:ln>
           <a:extLst>
             <a:ext uri="{909E8E84-426E-40dd-AFC4-6F175D3DCCD1}">
-              <a14:hiddenFill xmlns="" xmlns:a14="http://schemas.microsoft.com/office/drawing/2010/main">
+              <a14:hiddenFill xmlns:a14="http://schemas.microsoft.com/office/drawing/2010/main" xmlns="">
                 <a:noFill/>
               </a14:hiddenFill>
             </a:ext>
@@ -2173,7 +2172,7 @@
           </a:ln>
           <a:extLst>
             <a:ext uri="{909E8E84-426E-40dd-AFC4-6F175D3DCCD1}">
-              <a14:hiddenFill xmlns="" xmlns:a14="http://schemas.microsoft.com/office/drawing/2010/main">
+              <a14:hiddenFill xmlns:a14="http://schemas.microsoft.com/office/drawing/2010/main" xmlns="">
                 <a:noFill/>
               </a14:hiddenFill>
             </a:ext>
@@ -2422,7 +2421,7 @@
           </a:ln>
           <a:extLst>
             <a:ext uri="{909E8E84-426E-40dd-AFC4-6F175D3DCCD1}">
-              <a14:hiddenFill xmlns="" xmlns:a14="http://schemas.microsoft.com/office/drawing/2010/main">
+              <a14:hiddenFill xmlns:a14="http://schemas.microsoft.com/office/drawing/2010/main" xmlns="">
                 <a:noFill/>
               </a14:hiddenFill>
             </a:ext>
@@ -2471,14 +2470,14 @@
           </a:ln>
           <a:extLst>
             <a:ext uri="{909E8E84-426E-40dd-AFC4-6F175D3DCCD1}">
-              <a14:hiddenFill xmlns="" xmlns:a14="http://schemas.microsoft.com/office/drawing/2010/main">
+              <a14:hiddenFill xmlns:a14="http://schemas.microsoft.com/office/drawing/2010/main" xmlns="">
                 <a:solidFill>
                   <a:srgbClr val="FFFFFF"/>
                 </a:solidFill>
               </a14:hiddenFill>
             </a:ext>
             <a:ext uri="{91240B29-F687-4f45-9708-019B960494DF}">
-              <a14:hiddenLine xmlns="" xmlns:a14="http://schemas.microsoft.com/office/drawing/2010/main" w="9525">
+              <a14:hiddenLine xmlns:a14="http://schemas.microsoft.com/office/drawing/2010/main" xmlns="" w="9525">
                 <a:solidFill>
                   <a:srgbClr val="000000"/>
                 </a:solidFill>
@@ -2739,7 +2738,7 @@
           </a:ln>
           <a:extLst>
             <a:ext uri="{909E8E84-426E-40dd-AFC4-6F175D3DCCD1}">
-              <a14:hiddenFill xmlns="" xmlns:a14="http://schemas.microsoft.com/office/drawing/2010/main">
+              <a14:hiddenFill xmlns:a14="http://schemas.microsoft.com/office/drawing/2010/main" xmlns="">
                 <a:noFill/>
               </a14:hiddenFill>
             </a:ext>
@@ -2788,14 +2787,14 @@
           </a:ln>
           <a:extLst>
             <a:ext uri="{909E8E84-426E-40dd-AFC4-6F175D3DCCD1}">
-              <a14:hiddenFill xmlns="" xmlns:a14="http://schemas.microsoft.com/office/drawing/2010/main">
+              <a14:hiddenFill xmlns:a14="http://schemas.microsoft.com/office/drawing/2010/main" xmlns="">
                 <a:solidFill>
                   <a:srgbClr val="FFFFFF"/>
                 </a:solidFill>
               </a14:hiddenFill>
             </a:ext>
             <a:ext uri="{91240B29-F687-4f45-9708-019B960494DF}">
-              <a14:hiddenLine xmlns="" xmlns:a14="http://schemas.microsoft.com/office/drawing/2010/main" w="9525">
+              <a14:hiddenLine xmlns:a14="http://schemas.microsoft.com/office/drawing/2010/main" xmlns="" w="9525">
                 <a:solidFill>
                   <a:srgbClr val="000000"/>
                 </a:solidFill>
@@ -3436,7 +3435,7 @@
           </a:ln>
           <a:extLst>
             <a:ext uri="{909E8E84-426E-40dd-AFC4-6F175D3DCCD1}">
-              <a14:hiddenFill xmlns="" xmlns:a14="http://schemas.microsoft.com/office/drawing/2010/main">
+              <a14:hiddenFill xmlns:a14="http://schemas.microsoft.com/office/drawing/2010/main" xmlns="">
                 <a:noFill/>
               </a14:hiddenFill>
             </a:ext>
@@ -3629,7 +3628,7 @@
           </a:ln>
           <a:extLst>
             <a:ext uri="{909E8E84-426E-40dd-AFC4-6F175D3DCCD1}">
-              <a14:hiddenFill xmlns="" xmlns:a14="http://schemas.microsoft.com/office/drawing/2010/main">
+              <a14:hiddenFill xmlns:a14="http://schemas.microsoft.com/office/drawing/2010/main" xmlns="">
                 <a:noFill/>
               </a14:hiddenFill>
             </a:ext>
@@ -3670,7 +3669,7 @@
           </a:ln>
           <a:extLst>
             <a:ext uri="{909E8E84-426E-40dd-AFC4-6F175D3DCCD1}">
-              <a14:hiddenFill xmlns="" xmlns:a14="http://schemas.microsoft.com/office/drawing/2010/main">
+              <a14:hiddenFill xmlns:a14="http://schemas.microsoft.com/office/drawing/2010/main" xmlns="">
                 <a:noFill/>
               </a14:hiddenFill>
             </a:ext>
@@ -3880,7 +3879,7 @@
           </a:ln>
           <a:extLst>
             <a:ext uri="{909E8E84-426E-40dd-AFC4-6F175D3DCCD1}">
-              <a14:hiddenFill xmlns="" xmlns:a14="http://schemas.microsoft.com/office/drawing/2010/main">
+              <a14:hiddenFill xmlns:a14="http://schemas.microsoft.com/office/drawing/2010/main" xmlns="">
                 <a:noFill/>
               </a14:hiddenFill>
             </a:ext>
@@ -3929,14 +3928,14 @@
           </a:ln>
           <a:extLst>
             <a:ext uri="{909E8E84-426E-40dd-AFC4-6F175D3DCCD1}">
-              <a14:hiddenFill xmlns="" xmlns:a14="http://schemas.microsoft.com/office/drawing/2010/main">
+              <a14:hiddenFill xmlns:a14="http://schemas.microsoft.com/office/drawing/2010/main" xmlns="">
                 <a:solidFill>
                   <a:srgbClr val="FFFFFF"/>
                 </a:solidFill>
               </a14:hiddenFill>
             </a:ext>
             <a:ext uri="{91240B29-F687-4f45-9708-019B960494DF}">
-              <a14:hiddenLine xmlns="" xmlns:a14="http://schemas.microsoft.com/office/drawing/2010/main" w="9525">
+              <a14:hiddenLine xmlns:a14="http://schemas.microsoft.com/office/drawing/2010/main" xmlns="" w="9525">
                 <a:solidFill>
                   <a:srgbClr val="000000"/>
                 </a:solidFill>
@@ -4165,7 +4164,7 @@
           </a:ln>
           <a:extLst>
             <a:ext uri="{909E8E84-426E-40dd-AFC4-6F175D3DCCD1}">
-              <a14:hiddenFill xmlns="" xmlns:a14="http://schemas.microsoft.com/office/drawing/2010/main">
+              <a14:hiddenFill xmlns:a14="http://schemas.microsoft.com/office/drawing/2010/main" xmlns="">
                 <a:noFill/>
               </a14:hiddenFill>
             </a:ext>
@@ -4209,7 +4208,7 @@
           </a:ln>
           <a:extLst>
             <a:ext uri="{909E8E84-426E-40dd-AFC4-6F175D3DCCD1}">
-              <a14:hiddenFill xmlns="" xmlns:a14="http://schemas.microsoft.com/office/drawing/2010/main">
+              <a14:hiddenFill xmlns:a14="http://schemas.microsoft.com/office/drawing/2010/main" xmlns="">
                 <a:noFill/>
               </a14:hiddenFill>
             </a:ext>
@@ -4258,14 +4257,14 @@
           </a:ln>
           <a:extLst>
             <a:ext uri="{909E8E84-426E-40dd-AFC4-6F175D3DCCD1}">
-              <a14:hiddenFill xmlns="" xmlns:a14="http://schemas.microsoft.com/office/drawing/2010/main">
+              <a14:hiddenFill xmlns:a14="http://schemas.microsoft.com/office/drawing/2010/main" xmlns="">
                 <a:solidFill>
                   <a:srgbClr val="FFFFFF"/>
                 </a:solidFill>
               </a14:hiddenFill>
             </a:ext>
             <a:ext uri="{91240B29-F687-4f45-9708-019B960494DF}">
-              <a14:hiddenLine xmlns="" xmlns:a14="http://schemas.microsoft.com/office/drawing/2010/main" w="9525">
+              <a14:hiddenLine xmlns:a14="http://schemas.microsoft.com/office/drawing/2010/main" xmlns="" w="9525">
                 <a:solidFill>
                   <a:srgbClr val="000000"/>
                 </a:solidFill>
@@ -4537,7 +4536,7 @@
           </a:ln>
           <a:extLst>
             <a:ext uri="{909E8E84-426E-40dd-AFC4-6F175D3DCCD1}">
-              <a14:hiddenFill xmlns="" xmlns:a14="http://schemas.microsoft.com/office/drawing/2010/main">
+              <a14:hiddenFill xmlns:a14="http://schemas.microsoft.com/office/drawing/2010/main" xmlns="">
                 <a:noFill/>
               </a14:hiddenFill>
             </a:ext>
@@ -4749,7 +4748,7 @@
           </a:ln>
           <a:extLst>
             <a:ext uri="{909E8E84-426E-40dd-AFC4-6F175D3DCCD1}">
-              <a14:hiddenFill xmlns="" xmlns:a14="http://schemas.microsoft.com/office/drawing/2010/main">
+              <a14:hiddenFill xmlns:a14="http://schemas.microsoft.com/office/drawing/2010/main" xmlns="">
                 <a:noFill/>
               </a14:hiddenFill>
             </a:ext>
@@ -4966,7 +4965,7 @@
           </a:ln>
           <a:extLst>
             <a:ext uri="{909E8E84-426E-40dd-AFC4-6F175D3DCCD1}">
-              <a14:hiddenFill xmlns="" xmlns:a14="http://schemas.microsoft.com/office/drawing/2010/main">
+              <a14:hiddenFill xmlns:a14="http://schemas.microsoft.com/office/drawing/2010/main" xmlns="">
                 <a:noFill/>
               </a14:hiddenFill>
             </a:ext>
@@ -5215,7 +5214,7 @@
           </a:ln>
           <a:extLst>
             <a:ext uri="{909E8E84-426E-40dd-AFC4-6F175D3DCCD1}">
-              <a14:hiddenFill xmlns="" xmlns:a14="http://schemas.microsoft.com/office/drawing/2010/main">
+              <a14:hiddenFill xmlns:a14="http://schemas.microsoft.com/office/drawing/2010/main" xmlns="">
                 <a:noFill/>
               </a14:hiddenFill>
             </a:ext>
@@ -5264,14 +5263,14 @@
           </a:ln>
           <a:extLst>
             <a:ext uri="{909E8E84-426E-40dd-AFC4-6F175D3DCCD1}">
-              <a14:hiddenFill xmlns="" xmlns:a14="http://schemas.microsoft.com/office/drawing/2010/main">
+              <a14:hiddenFill xmlns:a14="http://schemas.microsoft.com/office/drawing/2010/main" xmlns="">
                 <a:solidFill>
                   <a:srgbClr val="FFFFFF"/>
                 </a:solidFill>
               </a14:hiddenFill>
             </a:ext>
             <a:ext uri="{91240B29-F687-4f45-9708-019B960494DF}">
-              <a14:hiddenLine xmlns="" xmlns:a14="http://schemas.microsoft.com/office/drawing/2010/main" w="9525">
+              <a14:hiddenLine xmlns:a14="http://schemas.microsoft.com/office/drawing/2010/main" xmlns="" w="9525">
                 <a:solidFill>
                   <a:srgbClr val="000000"/>
                 </a:solidFill>
@@ -5532,7 +5531,7 @@
           </a:ln>
           <a:extLst>
             <a:ext uri="{909E8E84-426E-40dd-AFC4-6F175D3DCCD1}">
-              <a14:hiddenFill xmlns="" xmlns:a14="http://schemas.microsoft.com/office/drawing/2010/main">
+              <a14:hiddenFill xmlns:a14="http://schemas.microsoft.com/office/drawing/2010/main" xmlns="">
                 <a:noFill/>
               </a14:hiddenFill>
             </a:ext>
@@ -5581,14 +5580,14 @@
           </a:ln>
           <a:extLst>
             <a:ext uri="{909E8E84-426E-40dd-AFC4-6F175D3DCCD1}">
-              <a14:hiddenFill xmlns="" xmlns:a14="http://schemas.microsoft.com/office/drawing/2010/main">
+              <a14:hiddenFill xmlns:a14="http://schemas.microsoft.com/office/drawing/2010/main" xmlns="">
                 <a:solidFill>
                   <a:srgbClr val="FFFFFF"/>
                 </a:solidFill>
               </a14:hiddenFill>
             </a:ext>
             <a:ext uri="{91240B29-F687-4f45-9708-019B960494DF}">
-              <a14:hiddenLine xmlns="" xmlns:a14="http://schemas.microsoft.com/office/drawing/2010/main" w="9525">
+              <a14:hiddenLine xmlns:a14="http://schemas.microsoft.com/office/drawing/2010/main" xmlns="" w="9525">
                 <a:solidFill>
                   <a:srgbClr val="000000"/>
                 </a:solidFill>
@@ -6055,7 +6054,7 @@
           </a:ln>
           <a:extLst>
             <a:ext uri="{909E8E84-426E-40dd-AFC4-6F175D3DCCD1}">
-              <a14:hiddenFill xmlns="" xmlns:a14="http://schemas.microsoft.com/office/drawing/2010/main">
+              <a14:hiddenFill xmlns:a14="http://schemas.microsoft.com/office/drawing/2010/main" xmlns="">
                 <a:noFill/>
               </a14:hiddenFill>
             </a:ext>
@@ -6433,7 +6432,7 @@
           </a:ln>
           <a:extLst>
             <a:ext uri="{909E8E84-426E-40dd-AFC4-6F175D3DCCD1}">
-              <a14:hiddenFill xmlns="" xmlns:a14="http://schemas.microsoft.com/office/drawing/2010/main">
+              <a14:hiddenFill xmlns:a14="http://schemas.microsoft.com/office/drawing/2010/main" xmlns="">
                 <a:noFill/>
               </a14:hiddenFill>
             </a:ext>
@@ -6474,7 +6473,7 @@
           </a:ln>
           <a:extLst>
             <a:ext uri="{909E8E84-426E-40dd-AFC4-6F175D3DCCD1}">
-              <a14:hiddenFill xmlns="" xmlns:a14="http://schemas.microsoft.com/office/drawing/2010/main">
+              <a14:hiddenFill xmlns:a14="http://schemas.microsoft.com/office/drawing/2010/main" xmlns="">
                 <a:noFill/>
               </a14:hiddenFill>
             </a:ext>
@@ -6684,7 +6683,7 @@
           </a:ln>
           <a:extLst>
             <a:ext uri="{909E8E84-426E-40dd-AFC4-6F175D3DCCD1}">
-              <a14:hiddenFill xmlns="" xmlns:a14="http://schemas.microsoft.com/office/drawing/2010/main">
+              <a14:hiddenFill xmlns:a14="http://schemas.microsoft.com/office/drawing/2010/main" xmlns="">
                 <a:noFill/>
               </a14:hiddenFill>
             </a:ext>
@@ -6733,14 +6732,14 @@
           </a:ln>
           <a:extLst>
             <a:ext uri="{909E8E84-426E-40dd-AFC4-6F175D3DCCD1}">
-              <a14:hiddenFill xmlns="" xmlns:a14="http://schemas.microsoft.com/office/drawing/2010/main">
+              <a14:hiddenFill xmlns:a14="http://schemas.microsoft.com/office/drawing/2010/main" xmlns="">
                 <a:solidFill>
                   <a:srgbClr val="FFFFFF"/>
                 </a:solidFill>
               </a14:hiddenFill>
             </a:ext>
             <a:ext uri="{91240B29-F687-4f45-9708-019B960494DF}">
-              <a14:hiddenLine xmlns="" xmlns:a14="http://schemas.microsoft.com/office/drawing/2010/main" w="9525">
+              <a14:hiddenLine xmlns:a14="http://schemas.microsoft.com/office/drawing/2010/main" xmlns="" w="9525">
                 <a:solidFill>
                   <a:srgbClr val="000000"/>
                 </a:solidFill>
@@ -6969,7 +6968,7 @@
           </a:ln>
           <a:extLst>
             <a:ext uri="{909E8E84-426E-40dd-AFC4-6F175D3DCCD1}">
-              <a14:hiddenFill xmlns="" xmlns:a14="http://schemas.microsoft.com/office/drawing/2010/main">
+              <a14:hiddenFill xmlns:a14="http://schemas.microsoft.com/office/drawing/2010/main" xmlns="">
                 <a:noFill/>
               </a14:hiddenFill>
             </a:ext>
@@ -7220,7 +7219,7 @@
           </a:ln>
           <a:extLst>
             <a:ext uri="{909E8E84-426E-40dd-AFC4-6F175D3DCCD1}">
-              <a14:hiddenFill xmlns="" xmlns:a14="http://schemas.microsoft.com/office/drawing/2010/main">
+              <a14:hiddenFill xmlns:a14="http://schemas.microsoft.com/office/drawing/2010/main" xmlns="">
                 <a:noFill/>
               </a14:hiddenFill>
             </a:ext>
@@ -7269,14 +7268,14 @@
           </a:ln>
           <a:extLst>
             <a:ext uri="{909E8E84-426E-40dd-AFC4-6F175D3DCCD1}">
-              <a14:hiddenFill xmlns="" xmlns:a14="http://schemas.microsoft.com/office/drawing/2010/main">
+              <a14:hiddenFill xmlns:a14="http://schemas.microsoft.com/office/drawing/2010/main" xmlns="">
                 <a:solidFill>
                   <a:srgbClr val="FFFFFF"/>
                 </a:solidFill>
               </a14:hiddenFill>
             </a:ext>
             <a:ext uri="{91240B29-F687-4f45-9708-019B960494DF}">
-              <a14:hiddenLine xmlns="" xmlns:a14="http://schemas.microsoft.com/office/drawing/2010/main" w="9525">
+              <a14:hiddenLine xmlns:a14="http://schemas.microsoft.com/office/drawing/2010/main" xmlns="" w="9525">
                 <a:solidFill>
                   <a:srgbClr val="000000"/>
                 </a:solidFill>
@@ -7538,7 +7537,7 @@
           </a:ln>
           <a:extLst>
             <a:ext uri="{909E8E84-426E-40dd-AFC4-6F175D3DCCD1}">
-              <a14:hiddenFill xmlns="" xmlns:a14="http://schemas.microsoft.com/office/drawing/2010/main">
+              <a14:hiddenFill xmlns:a14="http://schemas.microsoft.com/office/drawing/2010/main" xmlns="">
                 <a:noFill/>
               </a14:hiddenFill>
             </a:ext>
@@ -7587,14 +7586,14 @@
           </a:ln>
           <a:extLst>
             <a:ext uri="{909E8E84-426E-40dd-AFC4-6F175D3DCCD1}">
-              <a14:hiddenFill xmlns="" xmlns:a14="http://schemas.microsoft.com/office/drawing/2010/main">
+              <a14:hiddenFill xmlns:a14="http://schemas.microsoft.com/office/drawing/2010/main" xmlns="">
                 <a:solidFill>
                   <a:srgbClr val="FFFFFF"/>
                 </a:solidFill>
               </a14:hiddenFill>
             </a:ext>
             <a:ext uri="{91240B29-F687-4f45-9708-019B960494DF}">
-              <a14:hiddenLine xmlns="" xmlns:a14="http://schemas.microsoft.com/office/drawing/2010/main" w="9525">
+              <a14:hiddenLine xmlns:a14="http://schemas.microsoft.com/office/drawing/2010/main" xmlns="" w="9525">
                 <a:solidFill>
                   <a:srgbClr val="000000"/>
                 </a:solidFill>
@@ -8230,7 +8229,7 @@
           </a:ln>
           <a:extLst>
             <a:ext uri="{909E8E84-426E-40dd-AFC4-6F175D3DCCD1}">
-              <a14:hiddenFill xmlns="" xmlns:a14="http://schemas.microsoft.com/office/drawing/2010/main">
+              <a14:hiddenFill xmlns:a14="http://schemas.microsoft.com/office/drawing/2010/main" xmlns="">
                 <a:noFill/>
               </a14:hiddenFill>
             </a:ext>
@@ -8271,7 +8270,7 @@
           </a:ln>
           <a:extLst>
             <a:ext uri="{909E8E84-426E-40dd-AFC4-6F175D3DCCD1}">
-              <a14:hiddenFill xmlns="" xmlns:a14="http://schemas.microsoft.com/office/drawing/2010/main">
+              <a14:hiddenFill xmlns:a14="http://schemas.microsoft.com/office/drawing/2010/main" xmlns="">
                 <a:noFill/>
               </a14:hiddenFill>
             </a:ext>
@@ -8414,17 +8413,17 @@
           <a:effectLst/>
           <a:extLst>
             <a:ext uri="{FAA26D3D-D897-4be2-8F04-BA451C77F1D7}">
-              <ma14:placeholderFlag xmlns:ma14="http://schemas.microsoft.com/office/mac/drawingml/2011/main" xmlns="" val="1"/>
+              <ma14:placeholderFlag xmlns="" xmlns:ma14="http://schemas.microsoft.com/office/mac/drawingml/2011/main" val="1"/>
             </a:ext>
             <a:ext uri="{909E8E84-426E-40dd-AFC4-6F175D3DCCD1}">
-              <a14:hiddenFill xmlns="" xmlns:a14="http://schemas.microsoft.com/office/drawing/2010/main">
+              <a14:hiddenFill xmlns:a14="http://schemas.microsoft.com/office/drawing/2010/main" xmlns="">
                 <a:solidFill>
                   <a:srgbClr val="FFFFFF"/>
                 </a:solidFill>
               </a14:hiddenFill>
             </a:ext>
             <a:ext uri="{91240B29-F687-4f45-9708-019B960494DF}">
-              <a14:hiddenLine xmlns="" xmlns:a14="http://schemas.microsoft.com/office/drawing/2010/main" w="12700">
+              <a14:hiddenLine xmlns:a14="http://schemas.microsoft.com/office/drawing/2010/main" xmlns="" w="12700">
                 <a:solidFill>
                   <a:schemeClr val="tx1"/>
                 </a:solidFill>
@@ -8434,7 +8433,7 @@
               </a14:hiddenLine>
             </a:ext>
             <a:ext uri="{AF507438-7753-43e0-B8FC-AC1667EBCBE1}">
-              <a14:hiddenEffects xmlns="" xmlns:a14="http://schemas.microsoft.com/office/drawing/2010/main">
+              <a14:hiddenEffects xmlns:a14="http://schemas.microsoft.com/office/drawing/2010/main" xmlns="">
                 <a:effectLst>
                   <a:outerShdw blurRad="63500" dist="38099" dir="2700000" algn="ctr" rotWithShape="0">
                     <a:srgbClr val="000000">
@@ -8492,17 +8491,17 @@
           <a:effectLst/>
           <a:extLst>
             <a:ext uri="{FAA26D3D-D897-4be2-8F04-BA451C77F1D7}">
-              <ma14:placeholderFlag xmlns:ma14="http://schemas.microsoft.com/office/mac/drawingml/2011/main" xmlns="" val="1"/>
+              <ma14:placeholderFlag xmlns="" xmlns:ma14="http://schemas.microsoft.com/office/mac/drawingml/2011/main" val="1"/>
             </a:ext>
             <a:ext uri="{909E8E84-426E-40dd-AFC4-6F175D3DCCD1}">
-              <a14:hiddenFill xmlns="" xmlns:a14="http://schemas.microsoft.com/office/drawing/2010/main">
+              <a14:hiddenFill xmlns:a14="http://schemas.microsoft.com/office/drawing/2010/main" xmlns="">
                 <a:solidFill>
                   <a:srgbClr val="FFFFFF"/>
                 </a:solidFill>
               </a14:hiddenFill>
             </a:ext>
             <a:ext uri="{91240B29-F687-4f45-9708-019B960494DF}">
-              <a14:hiddenLine xmlns="" xmlns:a14="http://schemas.microsoft.com/office/drawing/2010/main" w="12700">
+              <a14:hiddenLine xmlns:a14="http://schemas.microsoft.com/office/drawing/2010/main" xmlns="" w="12700">
                 <a:solidFill>
                   <a:schemeClr val="tx1"/>
                 </a:solidFill>
@@ -8512,7 +8511,7 @@
               </a14:hiddenLine>
             </a:ext>
             <a:ext uri="{AF507438-7753-43e0-B8FC-AC1667EBCBE1}">
-              <a14:hiddenEffects xmlns="" xmlns:a14="http://schemas.microsoft.com/office/drawing/2010/main">
+              <a14:hiddenEffects xmlns:a14="http://schemas.microsoft.com/office/drawing/2010/main" xmlns="">
                 <a:effectLst>
                   <a:outerShdw blurRad="63500" dist="38099" dir="2700000" algn="ctr" rotWithShape="0">
                     <a:srgbClr val="000000">
@@ -8606,14 +8605,14 @@
           <a:effectLst/>
           <a:extLst>
             <a:ext uri="{909E8E84-426E-40dd-AFC4-6F175D3DCCD1}">
-              <a14:hiddenFill xmlns="" xmlns:a14="http://schemas.microsoft.com/office/drawing/2010/main">
+              <a14:hiddenFill xmlns:a14="http://schemas.microsoft.com/office/drawing/2010/main" xmlns="">
                 <a:solidFill>
                   <a:srgbClr val="FFFFFF"/>
                 </a:solidFill>
               </a14:hiddenFill>
             </a:ext>
             <a:ext uri="{91240B29-F687-4f45-9708-019B960494DF}">
-              <a14:hiddenLine xmlns="" xmlns:a14="http://schemas.microsoft.com/office/drawing/2010/main" w="12700">
+              <a14:hiddenLine xmlns:a14="http://schemas.microsoft.com/office/drawing/2010/main" xmlns="" w="12700">
                 <a:solidFill>
                   <a:schemeClr val="tx1"/>
                 </a:solidFill>
@@ -8623,7 +8622,7 @@
               </a14:hiddenLine>
             </a:ext>
             <a:ext uri="{AF507438-7753-43e0-B8FC-AC1667EBCBE1}">
-              <a14:hiddenEffects xmlns="" xmlns:a14="http://schemas.microsoft.com/office/drawing/2010/main">
+              <a14:hiddenEffects xmlns:a14="http://schemas.microsoft.com/office/drawing/2010/main" xmlns="">
                 <a:effectLst>
                   <a:outerShdw blurRad="63500" dist="38099" dir="2700000" algn="ctr" rotWithShape="0">
                     <a:srgbClr val="000000">
@@ -9309,17 +9308,17 @@
           <a:effectLst/>
           <a:extLst>
             <a:ext uri="{FAA26D3D-D897-4be2-8F04-BA451C77F1D7}">
-              <ma14:placeholderFlag xmlns:ma14="http://schemas.microsoft.com/office/mac/drawingml/2011/main" xmlns="" val="1"/>
+              <ma14:placeholderFlag xmlns="" xmlns:ma14="http://schemas.microsoft.com/office/mac/drawingml/2011/main" val="1"/>
             </a:ext>
             <a:ext uri="{909E8E84-426E-40dd-AFC4-6F175D3DCCD1}">
-              <a14:hiddenFill xmlns="" xmlns:a14="http://schemas.microsoft.com/office/drawing/2010/main">
+              <a14:hiddenFill xmlns:a14="http://schemas.microsoft.com/office/drawing/2010/main" xmlns="">
                 <a:solidFill>
                   <a:srgbClr val="FFFFFF"/>
                 </a:solidFill>
               </a14:hiddenFill>
             </a:ext>
             <a:ext uri="{91240B29-F687-4f45-9708-019B960494DF}">
-              <a14:hiddenLine xmlns="" xmlns:a14="http://schemas.microsoft.com/office/drawing/2010/main" w="12700">
+              <a14:hiddenLine xmlns:a14="http://schemas.microsoft.com/office/drawing/2010/main" xmlns="" w="12700">
                 <a:solidFill>
                   <a:schemeClr val="tx1"/>
                 </a:solidFill>
@@ -9329,7 +9328,7 @@
               </a14:hiddenLine>
             </a:ext>
             <a:ext uri="{AF507438-7753-43e0-B8FC-AC1667EBCBE1}">
-              <a14:hiddenEffects xmlns="" xmlns:a14="http://schemas.microsoft.com/office/drawing/2010/main">
+              <a14:hiddenEffects xmlns:a14="http://schemas.microsoft.com/office/drawing/2010/main" xmlns="">
                 <a:effectLst>
                   <a:outerShdw blurRad="63500" dist="38099" dir="2700000" algn="ctr" rotWithShape="0">
                     <a:srgbClr val="000000">
@@ -9384,17 +9383,17 @@
           <a:effectLst/>
           <a:extLst>
             <a:ext uri="{FAA26D3D-D897-4be2-8F04-BA451C77F1D7}">
-              <ma14:placeholderFlag xmlns:ma14="http://schemas.microsoft.com/office/mac/drawingml/2011/main" xmlns="" val="1"/>
+              <ma14:placeholderFlag xmlns="" xmlns:ma14="http://schemas.microsoft.com/office/mac/drawingml/2011/main" val="1"/>
             </a:ext>
             <a:ext uri="{909E8E84-426E-40dd-AFC4-6F175D3DCCD1}">
-              <a14:hiddenFill xmlns="" xmlns:a14="http://schemas.microsoft.com/office/drawing/2010/main">
+              <a14:hiddenFill xmlns:a14="http://schemas.microsoft.com/office/drawing/2010/main" xmlns="">
                 <a:solidFill>
                   <a:srgbClr val="FFFFFF"/>
                 </a:solidFill>
               </a14:hiddenFill>
             </a:ext>
             <a:ext uri="{91240B29-F687-4f45-9708-019B960494DF}">
-              <a14:hiddenLine xmlns="" xmlns:a14="http://schemas.microsoft.com/office/drawing/2010/main" w="12700">
+              <a14:hiddenLine xmlns:a14="http://schemas.microsoft.com/office/drawing/2010/main" xmlns="" w="12700">
                 <a:solidFill>
                   <a:schemeClr val="tx1"/>
                 </a:solidFill>
@@ -9404,7 +9403,7 @@
               </a14:hiddenLine>
             </a:ext>
             <a:ext uri="{AF507438-7753-43e0-B8FC-AC1667EBCBE1}">
-              <a14:hiddenEffects xmlns="" xmlns:a14="http://schemas.microsoft.com/office/drawing/2010/main">
+              <a14:hiddenEffects xmlns:a14="http://schemas.microsoft.com/office/drawing/2010/main" xmlns="">
                 <a:effectLst>
                   <a:outerShdw blurRad="63500" dist="38099" dir="2700000" algn="ctr" rotWithShape="0">
                     <a:srgbClr val="000000">
@@ -9495,14 +9494,14 @@
           <a:effectLst/>
           <a:extLst>
             <a:ext uri="{909E8E84-426E-40dd-AFC4-6F175D3DCCD1}">
-              <a14:hiddenFill xmlns="" xmlns:a14="http://schemas.microsoft.com/office/drawing/2010/main">
+              <a14:hiddenFill xmlns:a14="http://schemas.microsoft.com/office/drawing/2010/main" xmlns="">
                 <a:solidFill>
                   <a:srgbClr val="FFFFFF"/>
                 </a:solidFill>
               </a14:hiddenFill>
             </a:ext>
             <a:ext uri="{91240B29-F687-4f45-9708-019B960494DF}">
-              <a14:hiddenLine xmlns="" xmlns:a14="http://schemas.microsoft.com/office/drawing/2010/main" w="12700">
+              <a14:hiddenLine xmlns:a14="http://schemas.microsoft.com/office/drawing/2010/main" xmlns="" w="12700">
                 <a:solidFill>
                   <a:schemeClr val="tx1"/>
                 </a:solidFill>
@@ -9512,7 +9511,7 @@
               </a14:hiddenLine>
             </a:ext>
             <a:ext uri="{AF507438-7753-43e0-B8FC-AC1667EBCBE1}">
-              <a14:hiddenEffects xmlns="" xmlns:a14="http://schemas.microsoft.com/office/drawing/2010/main">
+              <a14:hiddenEffects xmlns:a14="http://schemas.microsoft.com/office/drawing/2010/main" xmlns="">
                 <a:effectLst>
                   <a:outerShdw blurRad="63500" dist="38099" dir="2700000" algn="ctr" rotWithShape="0">
                     <a:srgbClr val="000000">
@@ -10207,17 +10206,17 @@
           <a:effectLst/>
           <a:extLst>
             <a:ext uri="{FAA26D3D-D897-4be2-8F04-BA451C77F1D7}">
-              <ma14:placeholderFlag xmlns:ma14="http://schemas.microsoft.com/office/mac/drawingml/2011/main" xmlns="" val="1"/>
+              <ma14:placeholderFlag xmlns="" xmlns:ma14="http://schemas.microsoft.com/office/mac/drawingml/2011/main" val="1"/>
             </a:ext>
             <a:ext uri="{909E8E84-426E-40dd-AFC4-6F175D3DCCD1}">
-              <a14:hiddenFill xmlns="" xmlns:a14="http://schemas.microsoft.com/office/drawing/2010/main">
+              <a14:hiddenFill xmlns:a14="http://schemas.microsoft.com/office/drawing/2010/main" xmlns="">
                 <a:solidFill>
                   <a:srgbClr val="FFFFFF"/>
                 </a:solidFill>
               </a14:hiddenFill>
             </a:ext>
             <a:ext uri="{91240B29-F687-4f45-9708-019B960494DF}">
-              <a14:hiddenLine xmlns="" xmlns:a14="http://schemas.microsoft.com/office/drawing/2010/main" w="12700">
+              <a14:hiddenLine xmlns:a14="http://schemas.microsoft.com/office/drawing/2010/main" xmlns="" w="12700">
                 <a:solidFill>
                   <a:schemeClr val="tx1"/>
                 </a:solidFill>
@@ -10227,7 +10226,7 @@
               </a14:hiddenLine>
             </a:ext>
             <a:ext uri="{AF507438-7753-43e0-B8FC-AC1667EBCBE1}">
-              <a14:hiddenEffects xmlns="" xmlns:a14="http://schemas.microsoft.com/office/drawing/2010/main">
+              <a14:hiddenEffects xmlns:a14="http://schemas.microsoft.com/office/drawing/2010/main" xmlns="">
                 <a:effectLst>
                   <a:outerShdw blurRad="63500" dist="38099" dir="2700000" algn="ctr" rotWithShape="0">
                     <a:srgbClr val="000000">
@@ -10282,17 +10281,17 @@
           <a:effectLst/>
           <a:extLst>
             <a:ext uri="{FAA26D3D-D897-4be2-8F04-BA451C77F1D7}">
-              <ma14:placeholderFlag xmlns:ma14="http://schemas.microsoft.com/office/mac/drawingml/2011/main" xmlns="" val="1"/>
+              <ma14:placeholderFlag xmlns="" xmlns:ma14="http://schemas.microsoft.com/office/mac/drawingml/2011/main" val="1"/>
             </a:ext>
             <a:ext uri="{909E8E84-426E-40dd-AFC4-6F175D3DCCD1}">
-              <a14:hiddenFill xmlns="" xmlns:a14="http://schemas.microsoft.com/office/drawing/2010/main">
+              <a14:hiddenFill xmlns:a14="http://schemas.microsoft.com/office/drawing/2010/main" xmlns="">
                 <a:solidFill>
                   <a:srgbClr val="FFFFFF"/>
                 </a:solidFill>
               </a14:hiddenFill>
             </a:ext>
             <a:ext uri="{91240B29-F687-4f45-9708-019B960494DF}">
-              <a14:hiddenLine xmlns="" xmlns:a14="http://schemas.microsoft.com/office/drawing/2010/main" w="12700">
+              <a14:hiddenLine xmlns:a14="http://schemas.microsoft.com/office/drawing/2010/main" xmlns="" w="12700">
                 <a:solidFill>
                   <a:schemeClr val="tx1"/>
                 </a:solidFill>
@@ -10302,7 +10301,7 @@
               </a14:hiddenLine>
             </a:ext>
             <a:ext uri="{AF507438-7753-43e0-B8FC-AC1667EBCBE1}">
-              <a14:hiddenEffects xmlns="" xmlns:a14="http://schemas.microsoft.com/office/drawing/2010/main">
+              <a14:hiddenEffects xmlns:a14="http://schemas.microsoft.com/office/drawing/2010/main" xmlns="">
                 <a:effectLst>
                   <a:outerShdw blurRad="63500" dist="38099" dir="2700000" algn="ctr" rotWithShape="0">
                     <a:srgbClr val="000000">
@@ -10393,14 +10392,14 @@
           <a:effectLst/>
           <a:extLst>
             <a:ext uri="{909E8E84-426E-40dd-AFC4-6F175D3DCCD1}">
-              <a14:hiddenFill xmlns="" xmlns:a14="http://schemas.microsoft.com/office/drawing/2010/main">
+              <a14:hiddenFill xmlns:a14="http://schemas.microsoft.com/office/drawing/2010/main" xmlns="">
                 <a:solidFill>
                   <a:srgbClr val="FFFFFF"/>
                 </a:solidFill>
               </a14:hiddenFill>
             </a:ext>
             <a:ext uri="{91240B29-F687-4f45-9708-019B960494DF}">
-              <a14:hiddenLine xmlns="" xmlns:a14="http://schemas.microsoft.com/office/drawing/2010/main" w="12700">
+              <a14:hiddenLine xmlns:a14="http://schemas.microsoft.com/office/drawing/2010/main" xmlns="" w="12700">
                 <a:solidFill>
                   <a:schemeClr val="tx1"/>
                 </a:solidFill>
@@ -10410,7 +10409,7 @@
               </a14:hiddenLine>
             </a:ext>
             <a:ext uri="{AF507438-7753-43e0-B8FC-AC1667EBCBE1}">
-              <a14:hiddenEffects xmlns="" xmlns:a14="http://schemas.microsoft.com/office/drawing/2010/main">
+              <a14:hiddenEffects xmlns:a14="http://schemas.microsoft.com/office/drawing/2010/main" xmlns="">
                 <a:effectLst>
                   <a:outerShdw blurRad="63500" dist="38099" dir="2700000" algn="ctr" rotWithShape="0">
                     <a:srgbClr val="000000">
@@ -11513,428 +11512,6 @@
             <p:ph type="title"/>
           </p:nvPr>
         </p:nvSpPr>
-        <p:spPr>
-          <a:xfrm>
-            <a:off x="406400" y="700336"/>
-            <a:ext cx="3149600" cy="723900"/>
-          </a:xfrm>
-        </p:spPr>
-        <p:txBody>
-          <a:bodyPr/>
-          <a:lstStyle/>
-          <a:p>
-            <a:pPr algn="ctr"/>
-            <a:r>
-              <a:rPr lang="en-US" altLang="zh-Hans" sz="4800" dirty="0"/>
-              <a:t>To DO</a:t>
-            </a:r>
-            <a:endParaRPr lang="zh-Hans" altLang="en-US" sz="4800" dirty="0"/>
-          </a:p>
-        </p:txBody>
-      </p:sp>
-      <p:sp>
-        <p:nvSpPr>
-          <p:cNvPr id="3" name="内容占位符 2"/>
-          <p:cNvSpPr>
-            <a:spLocks noGrp="1"/>
-          </p:cNvSpPr>
-          <p:nvPr>
-            <p:ph idx="1"/>
-          </p:nvPr>
-        </p:nvSpPr>
-        <p:spPr/>
-        <p:txBody>
-          <a:bodyPr/>
-          <a:lstStyle/>
-          <a:p>
-            <a:pPr marL="0" indent="0">
-              <a:lnSpc>
-                <a:spcPct val="120000"/>
-              </a:lnSpc>
-              <a:spcBef>
-                <a:spcPts val="1200"/>
-              </a:spcBef>
-              <a:buClr>
-                <a:schemeClr val="tx2"/>
-              </a:buClr>
-            </a:pPr>
-            <a:endParaRPr lang="en-US" altLang="zh-Hans" sz="800" dirty="0">
-              <a:latin typeface="微软雅黑" panose="020B0503020204020204" pitchFamily="34" charset="-122"/>
-              <a:ea typeface="微软雅黑" panose="020B0503020204020204" pitchFamily="34" charset="-122"/>
-            </a:endParaRPr>
-          </a:p>
-          <a:p>
-            <a:pPr marL="0" indent="0">
-              <a:lnSpc>
-                <a:spcPct val="120000"/>
-              </a:lnSpc>
-              <a:spcBef>
-                <a:spcPts val="1200"/>
-              </a:spcBef>
-              <a:buClr>
-                <a:schemeClr val="tx2"/>
-              </a:buClr>
-            </a:pPr>
-            <a:endParaRPr lang="en-US" altLang="zh-Hans" sz="800" dirty="0">
-              <a:latin typeface="微软雅黑" panose="020B0503020204020204" pitchFamily="34" charset="-122"/>
-              <a:ea typeface="微软雅黑" panose="020B0503020204020204" pitchFamily="34" charset="-122"/>
-            </a:endParaRPr>
-          </a:p>
-          <a:p>
-            <a:pPr marL="0" indent="0">
-              <a:lnSpc>
-                <a:spcPct val="120000"/>
-              </a:lnSpc>
-              <a:spcBef>
-                <a:spcPts val="1200"/>
-              </a:spcBef>
-              <a:buClr>
-                <a:schemeClr val="tx2"/>
-              </a:buClr>
-            </a:pPr>
-            <a:endParaRPr lang="en-US" altLang="zh-CN" sz="500" dirty="0">
-              <a:latin typeface="微软雅黑" panose="020B0503020204020204" pitchFamily="34" charset="-122"/>
-              <a:ea typeface="微软雅黑" panose="020B0503020204020204" pitchFamily="34" charset="-122"/>
-            </a:endParaRPr>
-          </a:p>
-          <a:p>
-            <a:pPr marL="520700" indent="-520700" latinLnBrk="1">
-              <a:lnSpc>
-                <a:spcPct val="120000"/>
-              </a:lnSpc>
-              <a:spcBef>
-                <a:spcPts val="1200"/>
-              </a:spcBef>
-              <a:buClr>
-                <a:schemeClr val="tx2"/>
-              </a:buClr>
-              <a:buFont typeface="Wingdings" charset="2"/>
-              <a:buChar char=""/>
-            </a:pPr>
-            <a:r>
-              <a:rPr lang="en-US" altLang="zh-CN" sz="3600" dirty="0">
-                <a:latin typeface="微软雅黑" panose="020B0503020204020204" pitchFamily="34" charset="-122"/>
-                <a:ea typeface="微软雅黑" panose="020B0503020204020204" pitchFamily="34" charset="-122"/>
-              </a:rPr>
-              <a:t>F</a:t>
-            </a:r>
-            <a:r>
-              <a:rPr lang="en-US" altLang="zh-Hans" sz="3600" dirty="0">
-                <a:latin typeface="微软雅黑" panose="020B0503020204020204" pitchFamily="34" charset="-122"/>
-                <a:ea typeface="微软雅黑" panose="020B0503020204020204" pitchFamily="34" charset="-122"/>
-              </a:rPr>
-              <a:t>ork </a:t>
-            </a:r>
-            <a:r>
-              <a:rPr lang="en-US" altLang="zh-Hans" sz="3600" dirty="0">
-                <a:latin typeface="微软雅黑" panose="020B0503020204020204" pitchFamily="34" charset="-122"/>
-                <a:ea typeface="微软雅黑" panose="020B0503020204020204" pitchFamily="34" charset="-122"/>
-                <a:hlinkClick r:id="rId2"/>
-              </a:rPr>
-              <a:t>http:// </a:t>
-            </a:r>
-            <a:r>
-              <a:rPr lang="en-US" altLang="zh-Hans" sz="3600" dirty="0" err="1">
-                <a:latin typeface="微软雅黑" panose="020B0503020204020204" pitchFamily="34" charset="-122"/>
-                <a:ea typeface="微软雅黑" panose="020B0503020204020204" pitchFamily="34" charset="-122"/>
-                <a:hlinkClick r:id="rId2"/>
-              </a:rPr>
-              <a:t>github</a:t>
-            </a:r>
-            <a:r>
-              <a:rPr lang="en-US" altLang="zh-Hans" sz="3600" dirty="0">
-                <a:latin typeface="微软雅黑" panose="020B0503020204020204" pitchFamily="34" charset="-122"/>
-                <a:ea typeface="微软雅黑" panose="020B0503020204020204" pitchFamily="34" charset="-122"/>
-                <a:hlinkClick r:id="rId2"/>
-              </a:rPr>
-              <a:t> /DT</a:t>
-            </a:r>
-            <a:endParaRPr lang="en-US" altLang="zh-Hans" sz="3600" dirty="0">
-              <a:latin typeface="微软雅黑" panose="020B0503020204020204" pitchFamily="34" charset="-122"/>
-              <a:ea typeface="微软雅黑" panose="020B0503020204020204" pitchFamily="34" charset="-122"/>
-            </a:endParaRPr>
-          </a:p>
-          <a:p>
-            <a:pPr marL="520700" indent="-520700" latinLnBrk="1">
-              <a:lnSpc>
-                <a:spcPct val="120000"/>
-              </a:lnSpc>
-              <a:spcBef>
-                <a:spcPts val="1200"/>
-              </a:spcBef>
-              <a:buClr>
-                <a:schemeClr val="tx2"/>
-              </a:buClr>
-              <a:buFont typeface="Wingdings" charset="2"/>
-              <a:buChar char=""/>
-            </a:pPr>
-            <a:r>
-              <a:rPr lang="en-US" altLang="zh-Hans" sz="3600" dirty="0">
-                <a:latin typeface="微软雅黑" panose="020B0503020204020204" pitchFamily="34" charset="-122"/>
-                <a:ea typeface="微软雅黑" panose="020B0503020204020204" pitchFamily="34" charset="-122"/>
-              </a:rPr>
-              <a:t>Clone</a:t>
-            </a:r>
-            <a:r>
-              <a:rPr lang="zh-CN" altLang="en-US" sz="3600" dirty="0">
-                <a:latin typeface="微软雅黑" panose="020B0503020204020204" pitchFamily="34" charset="-122"/>
-                <a:ea typeface="微软雅黑" panose="020B0503020204020204" pitchFamily="34" charset="-122"/>
-              </a:rPr>
-              <a:t>代码到本地</a:t>
-            </a:r>
-            <a:r>
-              <a:rPr lang="en-US" altLang="zh-CN" sz="3600" dirty="0">
-                <a:latin typeface="微软雅黑" panose="020B0503020204020204" pitchFamily="34" charset="-122"/>
-                <a:ea typeface="微软雅黑" panose="020B0503020204020204" pitchFamily="34" charset="-122"/>
-              </a:rPr>
-              <a:t>, </a:t>
-            </a:r>
-            <a:r>
-              <a:rPr lang="zh-CN" altLang="en-US" sz="3600" dirty="0">
-                <a:latin typeface="微软雅黑" panose="020B0503020204020204" pitchFamily="34" charset="-122"/>
-                <a:ea typeface="微软雅黑" panose="020B0503020204020204" pitchFamily="34" charset="-122"/>
-              </a:rPr>
-              <a:t>打开工程</a:t>
-            </a:r>
-            <a:r>
-              <a:rPr lang="en-US" altLang="zh-CN" sz="3600" dirty="0">
-                <a:latin typeface="微软雅黑" panose="020B0503020204020204" pitchFamily="34" charset="-122"/>
-                <a:ea typeface="微软雅黑" panose="020B0503020204020204" pitchFamily="34" charset="-122"/>
-              </a:rPr>
-              <a:t>01-Gtest.sln</a:t>
-            </a:r>
-            <a:endParaRPr lang="en-US" altLang="zh-Hans" sz="3600" dirty="0">
-              <a:latin typeface="微软雅黑" panose="020B0503020204020204" pitchFamily="34" charset="-122"/>
-              <a:ea typeface="微软雅黑" panose="020B0503020204020204" pitchFamily="34" charset="-122"/>
-            </a:endParaRPr>
-          </a:p>
-          <a:p>
-            <a:pPr marL="0" indent="0">
-              <a:lnSpc>
-                <a:spcPct val="120000"/>
-              </a:lnSpc>
-              <a:spcBef>
-                <a:spcPts val="1200"/>
-              </a:spcBef>
-              <a:buClr>
-                <a:schemeClr val="tx2"/>
-              </a:buClr>
-            </a:pPr>
-            <a:endParaRPr lang="zh-Hans" altLang="en-US" sz="800" dirty="0">
-              <a:latin typeface="微软雅黑" panose="020B0503020204020204" pitchFamily="34" charset="-122"/>
-              <a:ea typeface="微软雅黑" panose="020B0503020204020204" pitchFamily="34" charset="-122"/>
-            </a:endParaRPr>
-          </a:p>
-          <a:p>
-            <a:pPr marL="520700" indent="-520700">
-              <a:lnSpc>
-                <a:spcPct val="120000"/>
-              </a:lnSpc>
-              <a:spcBef>
-                <a:spcPts val="1200"/>
-              </a:spcBef>
-              <a:buClr>
-                <a:schemeClr val="tx2"/>
-              </a:buClr>
-              <a:buFont typeface="Wingdings" charset="2"/>
-              <a:buChar char=""/>
-            </a:pPr>
-            <a:r>
-              <a:rPr lang="zh-CN" altLang="en-US" sz="3600" dirty="0">
-                <a:latin typeface="微软雅黑" panose="020B0503020204020204" pitchFamily="34" charset="-122"/>
-                <a:ea typeface="微软雅黑" panose="020B0503020204020204" pitchFamily="34" charset="-122"/>
-              </a:rPr>
-              <a:t>阅读代码逻辑</a:t>
-            </a:r>
-            <a:r>
-              <a:rPr lang="en-US" altLang="zh-CN" sz="3600" dirty="0">
-                <a:latin typeface="微软雅黑" panose="020B0503020204020204" pitchFamily="34" charset="-122"/>
-                <a:ea typeface="微软雅黑" panose="020B0503020204020204" pitchFamily="34" charset="-122"/>
-              </a:rPr>
-              <a:t>, </a:t>
-            </a:r>
-            <a:r>
-              <a:rPr lang="zh-CN" altLang="en-US" sz="3600" dirty="0">
-                <a:latin typeface="微软雅黑" panose="020B0503020204020204" pitchFamily="34" charset="-122"/>
-                <a:ea typeface="微软雅黑" panose="020B0503020204020204" pitchFamily="34" charset="-122"/>
-              </a:rPr>
-              <a:t>完成练习题目的需求</a:t>
-            </a:r>
-            <a:endParaRPr lang="en-US" altLang="zh-Hans" sz="3600" dirty="0">
-              <a:latin typeface="微软雅黑" panose="020B0503020204020204" pitchFamily="34" charset="-122"/>
-              <a:ea typeface="微软雅黑" panose="020B0503020204020204" pitchFamily="34" charset="-122"/>
-            </a:endParaRPr>
-          </a:p>
-          <a:p>
-            <a:pPr marL="0" indent="0">
-              <a:lnSpc>
-                <a:spcPct val="120000"/>
-              </a:lnSpc>
-              <a:spcBef>
-                <a:spcPts val="1200"/>
-              </a:spcBef>
-              <a:buClr>
-                <a:schemeClr val="tx2"/>
-              </a:buClr>
-            </a:pPr>
-            <a:endParaRPr lang="en-US" altLang="zh-Hans" sz="800" dirty="0">
-              <a:latin typeface="微软雅黑" panose="020B0503020204020204" pitchFamily="34" charset="-122"/>
-              <a:ea typeface="微软雅黑" panose="020B0503020204020204" pitchFamily="34" charset="-122"/>
-            </a:endParaRPr>
-          </a:p>
-          <a:p>
-            <a:pPr marL="520700" indent="-520700">
-              <a:lnSpc>
-                <a:spcPct val="120000"/>
-              </a:lnSpc>
-              <a:spcBef>
-                <a:spcPts val="1200"/>
-              </a:spcBef>
-              <a:buClr>
-                <a:schemeClr val="tx2"/>
-              </a:buClr>
-              <a:buFont typeface="Wingdings" charset="2"/>
-              <a:buChar char=""/>
-            </a:pPr>
-            <a:r>
-              <a:rPr lang="zh-CN" altLang="en-US" sz="3600" dirty="0">
-                <a:latin typeface="微软雅黑" panose="020B0503020204020204" pitchFamily="34" charset="-122"/>
-                <a:ea typeface="微软雅黑" panose="020B0503020204020204" pitchFamily="34" charset="-122"/>
-              </a:rPr>
-              <a:t>将代码</a:t>
-            </a:r>
-            <a:r>
-              <a:rPr lang="en-US" altLang="zh-CN" sz="3600" dirty="0">
-                <a:latin typeface="微软雅黑" panose="020B0503020204020204" pitchFamily="34" charset="-122"/>
-                <a:ea typeface="微软雅黑" panose="020B0503020204020204" pitchFamily="34" charset="-122"/>
-              </a:rPr>
-              <a:t>push</a:t>
-            </a:r>
-            <a:r>
-              <a:rPr lang="zh-CN" altLang="en-US" sz="3600" dirty="0">
-                <a:latin typeface="微软雅黑" panose="020B0503020204020204" pitchFamily="34" charset="-122"/>
-                <a:ea typeface="微软雅黑" panose="020B0503020204020204" pitchFamily="34" charset="-122"/>
-              </a:rPr>
-              <a:t>到</a:t>
-            </a:r>
-            <a:r>
-              <a:rPr lang="en-US" altLang="zh-CN" sz="3600" dirty="0">
-                <a:latin typeface="微软雅黑" panose="020B0503020204020204" pitchFamily="34" charset="-122"/>
-                <a:ea typeface="微软雅黑" panose="020B0503020204020204" pitchFamily="34" charset="-122"/>
-              </a:rPr>
-              <a:t>code club</a:t>
-            </a:r>
-            <a:r>
-              <a:rPr lang="zh-CN" altLang="en-US" sz="3600" dirty="0">
-                <a:latin typeface="微软雅黑" panose="020B0503020204020204" pitchFamily="34" charset="-122"/>
-                <a:ea typeface="微软雅黑" panose="020B0503020204020204" pitchFamily="34" charset="-122"/>
-              </a:rPr>
-              <a:t>上</a:t>
-            </a:r>
-            <a:endParaRPr lang="zh-Hans" altLang="en-US" sz="3600" dirty="0">
-              <a:latin typeface="微软雅黑" panose="020B0503020204020204" pitchFamily="34" charset="-122"/>
-              <a:ea typeface="微软雅黑" panose="020B0503020204020204" pitchFamily="34" charset="-122"/>
-            </a:endParaRPr>
-          </a:p>
-        </p:txBody>
-      </p:sp>
-      <p:sp>
-        <p:nvSpPr>
-          <p:cNvPr id="4" name="灯片编号占位符 3"/>
-          <p:cNvSpPr>
-            <a:spLocks noGrp="1"/>
-          </p:cNvSpPr>
-          <p:nvPr>
-            <p:ph type="sldNum" sz="quarter" idx="10"/>
-          </p:nvPr>
-        </p:nvSpPr>
-        <p:spPr/>
-        <p:txBody>
-          <a:bodyPr/>
-          <a:lstStyle/>
-          <a:p>
-            <a:pPr>
-              <a:defRPr/>
-            </a:pPr>
-            <a:fld id="{6BD71149-C6B6-DA41-AB69-4C8E97C931F0}" type="slidenum">
-              <a:rPr lang="en-US" smtClean="0"/>
-              <a:pPr>
-                <a:defRPr/>
-              </a:pPr>
-              <a:t>11</a:t>
-            </a:fld>
-            <a:endParaRPr lang="en-US"/>
-          </a:p>
-        </p:txBody>
-      </p:sp>
-      <p:pic>
-        <p:nvPicPr>
-          <p:cNvPr id="5" name="Glyph Inventory 1_go-self-service.jpg"/>
-          <p:cNvPicPr/>
-          <p:nvPr/>
-        </p:nvPicPr>
-        <p:blipFill>
-          <a:blip r:embed="rId3">
-            <a:extLst/>
-          </a:blip>
-          <a:stretch>
-            <a:fillRect/>
-          </a:stretch>
-        </p:blipFill>
-        <p:spPr>
-          <a:xfrm>
-            <a:off x="385233" y="1189194"/>
-            <a:ext cx="3039534" cy="3039534"/>
-          </a:xfrm>
-          <a:prstGeom prst="rect">
-            <a:avLst/>
-          </a:prstGeom>
-          <a:ln w="12700">
-            <a:miter lim="400000"/>
-          </a:ln>
-        </p:spPr>
-      </p:pic>
-    </p:spTree>
-    <p:extLst>
-      <p:ext uri="{BB962C8B-B14F-4D97-AF65-F5344CB8AC3E}">
-        <p14:creationId xmlns:p14="http://schemas.microsoft.com/office/powerpoint/2010/main" val="1940344338"/>
-      </p:ext>
-    </p:extLst>
-  </p:cSld>
-  <p:clrMapOvr>
-    <a:masterClrMapping/>
-  </p:clrMapOvr>
-  <p:transition/>
-</p:sld>
-</file>
-
-<file path=ppt/slides/slide12.xml><?xml version="1.0" encoding="utf-8"?>
-<p:sld xmlns:a="http://schemas.openxmlformats.org/drawingml/2006/main" xmlns:r="http://schemas.openxmlformats.org/officeDocument/2006/relationships" xmlns:p="http://schemas.openxmlformats.org/presentationml/2006/main">
-  <p:cSld>
-    <p:spTree>
-      <p:nvGrpSpPr>
-        <p:cNvPr id="1" name=""/>
-        <p:cNvGrpSpPr/>
-        <p:nvPr/>
-      </p:nvGrpSpPr>
-      <p:grpSpPr>
-        <a:xfrm>
-          <a:off x="0" y="0"/>
-          <a:ext cx="0" cy="0"/>
-          <a:chOff x="0" y="0"/>
-          <a:chExt cx="0" cy="0"/>
-        </a:xfrm>
-      </p:grpSpPr>
-      <p:sp>
-        <p:nvSpPr>
-          <p:cNvPr id="2" name="标题 1"/>
-          <p:cNvSpPr>
-            <a:spLocks noGrp="1"/>
-          </p:cNvSpPr>
-          <p:nvPr>
-            <p:ph type="title"/>
-          </p:nvPr>
-        </p:nvSpPr>
         <p:spPr/>
         <p:txBody>
           <a:bodyPr/>
@@ -11998,7 +11575,7 @@
               <a:pPr>
                 <a:defRPr/>
               </a:pPr>
-              <a:t>12</a:t>
+              <a:t>11</a:t>
             </a:fld>
             <a:endParaRPr lang="en-US"/>
           </a:p>
@@ -12018,7 +11595,7 @@
 </p:sld>
 </file>
 
-<file path=ppt/slides/slide13.xml><?xml version="1.0" encoding="utf-8"?>
+<file path=ppt/slides/slide12.xml><?xml version="1.0" encoding="utf-8"?>
 <p:sld xmlns:a="http://schemas.openxmlformats.org/drawingml/2006/main" xmlns:r="http://schemas.openxmlformats.org/officeDocument/2006/relationships" xmlns:p="http://schemas.openxmlformats.org/presentationml/2006/main">
   <p:cSld>
     <p:spTree>
@@ -12289,7 +11866,7 @@
               <a:pPr>
                 <a:defRPr/>
               </a:pPr>
-              <a:t>13</a:t>
+              <a:t>12</a:t>
             </a:fld>
             <a:endParaRPr lang="en-US">
               <a:latin typeface="微软雅黑" panose="020B0503020204020204" pitchFamily="34" charset="-122"/>
@@ -12339,7 +11916,7 @@
 </p:sld>
 </file>
 
-<file path=ppt/slides/slide14.xml><?xml version="1.0" encoding="utf-8"?>
+<file path=ppt/slides/slide13.xml><?xml version="1.0" encoding="utf-8"?>
 <p:sld xmlns:a="http://schemas.openxmlformats.org/drawingml/2006/main" xmlns:r="http://schemas.openxmlformats.org/officeDocument/2006/relationships" xmlns:p="http://schemas.openxmlformats.org/presentationml/2006/main">
   <p:cSld>
     <p:spTree>
@@ -12412,7 +11989,7 @@
               <a:pPr>
                 <a:defRPr/>
               </a:pPr>
-              <a:t>14</a:t>
+              <a:t>13</a:t>
             </a:fld>
             <a:endParaRPr lang="en-US">
               <a:latin typeface="微软雅黑" panose="020B0503020204020204" pitchFamily="34" charset="-122"/>
@@ -12490,7 +12067,7 @@
           </a:ln>
           <a:extLst>
             <a:ext uri="{91240B29-F687-4f45-9708-019B960494DF}">
-              <a14:hiddenLine xmlns="" xmlns:a14="http://schemas.microsoft.com/office/drawing/2010/main" w="25400" cap="flat" cmpd="sng" algn="ctr">
+              <a14:hiddenLine xmlns:a14="http://schemas.microsoft.com/office/drawing/2010/main" xmlns="" w="25400" cap="flat" cmpd="sng" algn="ctr">
                 <a:solidFill>
                   <a:srgbClr val="000000"/>
                 </a:solidFill>
@@ -12501,7 +12078,7 @@
               </a14:hiddenLine>
             </a:ext>
             <a:ext uri="{AF507438-7753-43e0-B8FC-AC1667EBCBE1}">
-              <a14:hiddenEffects xmlns="" xmlns:a14="http://schemas.microsoft.com/office/drawing/2010/main">
+              <a14:hiddenEffects xmlns:a14="http://schemas.microsoft.com/office/drawing/2010/main" xmlns="">
                 <a:effectLst>
                   <a:outerShdw blurRad="63500" dist="38099" dir="2700000" algn="ctr" rotWithShape="0">
                     <a:schemeClr val="bg2">
@@ -12549,7 +12126,7 @@
           </a:ln>
           <a:extLst>
             <a:ext uri="{91240B29-F687-4f45-9708-019B960494DF}">
-              <a14:hiddenLine xmlns="" xmlns:a14="http://schemas.microsoft.com/office/drawing/2010/main" w="25400" cap="flat" cmpd="sng" algn="ctr">
+              <a14:hiddenLine xmlns:a14="http://schemas.microsoft.com/office/drawing/2010/main" xmlns="" w="25400" cap="flat" cmpd="sng" algn="ctr">
                 <a:solidFill>
                   <a:srgbClr val="000000"/>
                 </a:solidFill>
@@ -12560,7 +12137,7 @@
               </a14:hiddenLine>
             </a:ext>
             <a:ext uri="{AF507438-7753-43e0-B8FC-AC1667EBCBE1}">
-              <a14:hiddenEffects xmlns="" xmlns:a14="http://schemas.microsoft.com/office/drawing/2010/main">
+              <a14:hiddenEffects xmlns:a14="http://schemas.microsoft.com/office/drawing/2010/main" xmlns="">
                 <a:effectLst>
                   <a:outerShdw blurRad="63500" dist="38099" dir="2700000" algn="ctr" rotWithShape="0">
                     <a:schemeClr val="bg2">
@@ -12609,7 +12186,7 @@
           </a:ln>
           <a:extLst>
             <a:ext uri="{91240B29-F687-4f45-9708-019B960494DF}">
-              <a14:hiddenLine xmlns="" xmlns:a14="http://schemas.microsoft.com/office/drawing/2010/main" w="25400" cap="flat" cmpd="sng" algn="ctr">
+              <a14:hiddenLine xmlns:a14="http://schemas.microsoft.com/office/drawing/2010/main" xmlns="" w="25400" cap="flat" cmpd="sng" algn="ctr">
                 <a:solidFill>
                   <a:srgbClr val="000000"/>
                 </a:solidFill>
@@ -12620,7 +12197,7 @@
               </a14:hiddenLine>
             </a:ext>
             <a:ext uri="{AF507438-7753-43e0-B8FC-AC1667EBCBE1}">
-              <a14:hiddenEffects xmlns="" xmlns:a14="http://schemas.microsoft.com/office/drawing/2010/main">
+              <a14:hiddenEffects xmlns:a14="http://schemas.microsoft.com/office/drawing/2010/main" xmlns="">
                 <a:effectLst>
                   <a:outerShdw blurRad="63500" dist="38099" dir="2700000" algn="ctr" rotWithShape="0">
                     <a:schemeClr val="bg2">
@@ -12762,7 +12339,7 @@
 </p:sld>
 </file>
 
-<file path=ppt/slides/slide15.xml><?xml version="1.0" encoding="utf-8"?>
+<file path=ppt/slides/slide14.xml><?xml version="1.0" encoding="utf-8"?>
 <p:sld xmlns:a="http://schemas.openxmlformats.org/drawingml/2006/main" xmlns:r="http://schemas.openxmlformats.org/officeDocument/2006/relationships" xmlns:p="http://schemas.openxmlformats.org/presentationml/2006/main">
   <p:cSld>
     <p:spTree>
@@ -12865,7 +12442,7 @@
               <a:pPr>
                 <a:defRPr/>
               </a:pPr>
-              <a:t>15</a:t>
+              <a:t>14</a:t>
             </a:fld>
             <a:endParaRPr lang="en-US"/>
           </a:p>
@@ -13349,7 +12926,7 @@
 </p:sld>
 </file>
 
-<file path=ppt/slides/slide16.xml><?xml version="1.0" encoding="utf-8"?>
+<file path=ppt/slides/slide15.xml><?xml version="1.0" encoding="utf-8"?>
 <p:sld xmlns:a="http://schemas.openxmlformats.org/drawingml/2006/main" xmlns:r="http://schemas.openxmlformats.org/officeDocument/2006/relationships" xmlns:p="http://schemas.openxmlformats.org/presentationml/2006/main">
   <p:cSld>
     <p:spTree>
@@ -13619,7 +13196,7 @@
               <a:pPr>
                 <a:defRPr/>
               </a:pPr>
-              <a:t>16</a:t>
+              <a:t>15</a:t>
             </a:fld>
             <a:endParaRPr lang="en-US">
               <a:latin typeface="微软雅黑" panose="020B0503020204020204" pitchFamily="34" charset="-122"/>
@@ -13666,7 +13243,7 @@
 </p:sld>
 </file>
 
-<file path=ppt/slides/slide17.xml><?xml version="1.0" encoding="utf-8"?>
+<file path=ppt/slides/slide16.xml><?xml version="1.0" encoding="utf-8"?>
 <p:sld xmlns:a="http://schemas.openxmlformats.org/drawingml/2006/main" xmlns:r="http://schemas.openxmlformats.org/officeDocument/2006/relationships" xmlns:p="http://schemas.openxmlformats.org/presentationml/2006/main">
   <p:cSld>
     <p:spTree>
@@ -13739,7 +13316,7 @@
               <a:pPr>
                 <a:defRPr/>
               </a:pPr>
-              <a:t>17</a:t>
+              <a:t>16</a:t>
             </a:fld>
             <a:endParaRPr lang="en-US">
               <a:latin typeface="微软雅黑" panose="020B0503020204020204" pitchFamily="34" charset="-122"/>
@@ -13807,7 +13384,7 @@
             </a:ln>
             <a:extLst>
               <a:ext uri="{91240B29-F687-4f45-9708-019B960494DF}">
-                <a14:hiddenLine xmlns="" xmlns:a14="http://schemas.microsoft.com/office/drawing/2010/main" w="25400" cap="flat" cmpd="sng" algn="ctr">
+                <a14:hiddenLine xmlns:a14="http://schemas.microsoft.com/office/drawing/2010/main" xmlns="" w="25400" cap="flat" cmpd="sng" algn="ctr">
                   <a:solidFill>
                     <a:srgbClr val="000000"/>
                   </a:solidFill>
@@ -13818,7 +13395,7 @@
                 </a14:hiddenLine>
               </a:ext>
               <a:ext uri="{AF507438-7753-43e0-B8FC-AC1667EBCBE1}">
-                <a14:hiddenEffects xmlns="" xmlns:a14="http://schemas.microsoft.com/office/drawing/2010/main">
+                <a14:hiddenEffects xmlns:a14="http://schemas.microsoft.com/office/drawing/2010/main" xmlns="">
                   <a:effectLst>
                     <a:outerShdw blurRad="63500" dist="38099" dir="2700000" algn="ctr" rotWithShape="0">
                       <a:schemeClr val="bg2">
@@ -13866,7 +13443,7 @@
             </a:ln>
             <a:extLst>
               <a:ext uri="{91240B29-F687-4f45-9708-019B960494DF}">
-                <a14:hiddenLine xmlns="" xmlns:a14="http://schemas.microsoft.com/office/drawing/2010/main" w="25400" cap="flat" cmpd="sng" algn="ctr">
+                <a14:hiddenLine xmlns:a14="http://schemas.microsoft.com/office/drawing/2010/main" xmlns="" w="25400" cap="flat" cmpd="sng" algn="ctr">
                   <a:solidFill>
                     <a:srgbClr val="000000"/>
                   </a:solidFill>
@@ -13877,7 +13454,7 @@
                 </a14:hiddenLine>
               </a:ext>
               <a:ext uri="{AF507438-7753-43e0-B8FC-AC1667EBCBE1}">
-                <a14:hiddenEffects xmlns="" xmlns:a14="http://schemas.microsoft.com/office/drawing/2010/main">
+                <a14:hiddenEffects xmlns:a14="http://schemas.microsoft.com/office/drawing/2010/main" xmlns="">
                   <a:effectLst>
                     <a:outerShdw blurRad="63500" dist="38099" dir="2700000" algn="ctr" rotWithShape="0">
                       <a:schemeClr val="bg2">
@@ -13978,7 +13555,7 @@
               </a:ln>
               <a:extLst>
                 <a:ext uri="{91240B29-F687-4f45-9708-019B960494DF}">
-                  <a14:hiddenLine xmlns="" xmlns:a14="http://schemas.microsoft.com/office/drawing/2010/main" w="25400" cap="flat" cmpd="sng" algn="ctr">
+                  <a14:hiddenLine xmlns:a14="http://schemas.microsoft.com/office/drawing/2010/main" xmlns="" w="25400" cap="flat" cmpd="sng" algn="ctr">
                     <a:solidFill>
                       <a:srgbClr val="000000"/>
                     </a:solidFill>
@@ -13989,7 +13566,7 @@
                   </a14:hiddenLine>
                 </a:ext>
                 <a:ext uri="{AF507438-7753-43e0-B8FC-AC1667EBCBE1}">
-                  <a14:hiddenEffects xmlns="" xmlns:a14="http://schemas.microsoft.com/office/drawing/2010/main">
+                  <a14:hiddenEffects xmlns:a14="http://schemas.microsoft.com/office/drawing/2010/main" xmlns="">
                     <a:effectLst>
                       <a:outerShdw blurRad="63500" dist="38099" dir="2700000" algn="ctr" rotWithShape="0">
                         <a:schemeClr val="bg2">
@@ -14037,7 +13614,7 @@
               </a:ln>
               <a:extLst>
                 <a:ext uri="{91240B29-F687-4f45-9708-019B960494DF}">
-                  <a14:hiddenLine xmlns="" xmlns:a14="http://schemas.microsoft.com/office/drawing/2010/main" w="25400" cap="flat" cmpd="sng" algn="ctr">
+                  <a14:hiddenLine xmlns:a14="http://schemas.microsoft.com/office/drawing/2010/main" xmlns="" w="25400" cap="flat" cmpd="sng" algn="ctr">
                     <a:solidFill>
                       <a:srgbClr val="000000"/>
                     </a:solidFill>
@@ -14048,7 +13625,7 @@
                   </a14:hiddenLine>
                 </a:ext>
                 <a:ext uri="{AF507438-7753-43e0-B8FC-AC1667EBCBE1}">
-                  <a14:hiddenEffects xmlns="" xmlns:a14="http://schemas.microsoft.com/office/drawing/2010/main">
+                  <a14:hiddenEffects xmlns:a14="http://schemas.microsoft.com/office/drawing/2010/main" xmlns="">
                     <a:effectLst>
                       <a:outerShdw blurRad="63500" dist="38099" dir="2700000" algn="ctr" rotWithShape="0">
                         <a:schemeClr val="bg2">
@@ -14146,7 +13723,7 @@
 </p:sld>
 </file>
 
-<file path=ppt/slides/slide18.xml><?xml version="1.0" encoding="utf-8"?>
+<file path=ppt/slides/slide17.xml><?xml version="1.0" encoding="utf-8"?>
 <p:sld xmlns:a="http://schemas.openxmlformats.org/drawingml/2006/main" xmlns:r="http://schemas.openxmlformats.org/officeDocument/2006/relationships" xmlns:p="http://schemas.openxmlformats.org/presentationml/2006/main">
   <p:cSld>
     <p:spTree>
@@ -14243,7 +13820,7 @@
 </p:sld>
 </file>
 
-<file path=ppt/slides/slide19.xml><?xml version="1.0" encoding="utf-8"?>
+<file path=ppt/slides/slide18.xml><?xml version="1.0" encoding="utf-8"?>
 <p:sld xmlns:a="http://schemas.openxmlformats.org/drawingml/2006/main" xmlns:r="http://schemas.openxmlformats.org/officeDocument/2006/relationships" xmlns:p="http://schemas.openxmlformats.org/presentationml/2006/main">
   <p:cSld>
     <p:spTree>
@@ -14316,7 +13893,7 @@
               <a:pPr>
                 <a:defRPr/>
               </a:pPr>
-              <a:t>19</a:t>
+              <a:t>18</a:t>
             </a:fld>
             <a:endParaRPr lang="en-US">
               <a:latin typeface="微软雅黑" panose="020B0503020204020204" pitchFamily="34" charset="-122"/>
@@ -14693,112 +14270,7 @@
 </p:sld>
 </file>
 
-<file path=ppt/slides/slide2.xml><?xml version="1.0" encoding="utf-8"?>
-<p:sld xmlns:a="http://schemas.openxmlformats.org/drawingml/2006/main" xmlns:r="http://schemas.openxmlformats.org/officeDocument/2006/relationships" xmlns:p="http://schemas.openxmlformats.org/presentationml/2006/main">
-  <p:cSld>
-    <p:spTree>
-      <p:nvGrpSpPr>
-        <p:cNvPr id="1" name=""/>
-        <p:cNvGrpSpPr/>
-        <p:nvPr/>
-      </p:nvGrpSpPr>
-      <p:grpSpPr>
-        <a:xfrm>
-          <a:off x="0" y="0"/>
-          <a:ext cx="0" cy="0"/>
-          <a:chOff x="0" y="0"/>
-          <a:chExt cx="0" cy="0"/>
-        </a:xfrm>
-      </p:grpSpPr>
-      <p:sp>
-        <p:nvSpPr>
-          <p:cNvPr id="12289" name="Rectangle 1"/>
-          <p:cNvSpPr>
-            <a:spLocks noGrp="1" noChangeArrowheads="1"/>
-          </p:cNvSpPr>
-          <p:nvPr>
-            <p:ph type="title"/>
-          </p:nvPr>
-        </p:nvSpPr>
-        <p:spPr/>
-        <p:txBody>
-          <a:bodyPr/>
-          <a:lstStyle/>
-          <a:p>
-            <a:pPr>
-              <a:defRPr/>
-            </a:pPr>
-            <a:r>
-              <a:rPr lang="en-US" dirty="0"/>
-              <a:t>Unit Testing</a:t>
-            </a:r>
-          </a:p>
-        </p:txBody>
-      </p:sp>
-      <p:sp>
-        <p:nvSpPr>
-          <p:cNvPr id="12290" name="Rectangle 2"/>
-          <p:cNvSpPr>
-            <a:spLocks noGrp="1" noChangeArrowheads="1"/>
-          </p:cNvSpPr>
-          <p:nvPr>
-            <p:ph idx="1"/>
-          </p:nvPr>
-        </p:nvSpPr>
-        <p:spPr/>
-        <p:txBody>
-          <a:bodyPr/>
-          <a:lstStyle/>
-          <a:p>
-            <a:pPr marL="0" indent="0" eaLnBrk="1" hangingPunct="1">
-              <a:defRPr/>
-            </a:pPr>
-            <a:r>
-              <a:rPr lang="en-US" dirty="0"/>
-              <a:t>With Google Test</a:t>
-            </a:r>
-          </a:p>
-        </p:txBody>
-      </p:sp>
-      <p:sp>
-        <p:nvSpPr>
-          <p:cNvPr id="4" name="Slide Number Placeholder 3"/>
-          <p:cNvSpPr>
-            <a:spLocks noGrp="1"/>
-          </p:cNvSpPr>
-          <p:nvPr>
-            <p:ph type="sldNum" sz="quarter" idx="10"/>
-          </p:nvPr>
-        </p:nvSpPr>
-        <p:spPr/>
-        <p:txBody>
-          <a:bodyPr/>
-          <a:lstStyle/>
-          <a:p>
-            <a:pPr>
-              <a:defRPr/>
-            </a:pPr>
-            <a:fld id="{FF174A22-F644-8D40-AF6E-ACD99327719B}" type="slidenum">
-              <a:rPr lang="en-US"/>
-              <a:pPr>
-                <a:defRPr/>
-              </a:pPr>
-              <a:t>2</a:t>
-            </a:fld>
-            <a:endParaRPr lang="en-US"/>
-          </a:p>
-        </p:txBody>
-      </p:sp>
-    </p:spTree>
-  </p:cSld>
-  <p:clrMapOvr>
-    <a:masterClrMapping/>
-  </p:clrMapOvr>
-  <p:transition/>
-</p:sld>
-</file>
-
-<file path=ppt/slides/slide20.xml><?xml version="1.0" encoding="utf-8"?>
+<file path=ppt/slides/slide19.xml><?xml version="1.0" encoding="utf-8"?>
 <p:sld xmlns:a="http://schemas.openxmlformats.org/drawingml/2006/main" xmlns:r="http://schemas.openxmlformats.org/officeDocument/2006/relationships" xmlns:p="http://schemas.openxmlformats.org/presentationml/2006/main">
   <p:cSld>
     <p:spTree>
@@ -14871,7 +14343,7 @@
               <a:pPr>
                 <a:defRPr/>
               </a:pPr>
-              <a:t>20</a:t>
+              <a:t>19</a:t>
             </a:fld>
             <a:endParaRPr lang="en-US">
               <a:latin typeface="微软雅黑" panose="020B0503020204020204" pitchFamily="34" charset="-122"/>
@@ -15248,7 +14720,112 @@
 </p:sld>
 </file>
 
-<file path=ppt/slides/slide21.xml><?xml version="1.0" encoding="utf-8"?>
+<file path=ppt/slides/slide2.xml><?xml version="1.0" encoding="utf-8"?>
+<p:sld xmlns:a="http://schemas.openxmlformats.org/drawingml/2006/main" xmlns:r="http://schemas.openxmlformats.org/officeDocument/2006/relationships" xmlns:p="http://schemas.openxmlformats.org/presentationml/2006/main">
+  <p:cSld>
+    <p:spTree>
+      <p:nvGrpSpPr>
+        <p:cNvPr id="1" name=""/>
+        <p:cNvGrpSpPr/>
+        <p:nvPr/>
+      </p:nvGrpSpPr>
+      <p:grpSpPr>
+        <a:xfrm>
+          <a:off x="0" y="0"/>
+          <a:ext cx="0" cy="0"/>
+          <a:chOff x="0" y="0"/>
+          <a:chExt cx="0" cy="0"/>
+        </a:xfrm>
+      </p:grpSpPr>
+      <p:sp>
+        <p:nvSpPr>
+          <p:cNvPr id="12289" name="Rectangle 1"/>
+          <p:cNvSpPr>
+            <a:spLocks noGrp="1" noChangeArrowheads="1"/>
+          </p:cNvSpPr>
+          <p:nvPr>
+            <p:ph type="title"/>
+          </p:nvPr>
+        </p:nvSpPr>
+        <p:spPr/>
+        <p:txBody>
+          <a:bodyPr/>
+          <a:lstStyle/>
+          <a:p>
+            <a:pPr>
+              <a:defRPr/>
+            </a:pPr>
+            <a:r>
+              <a:rPr lang="en-US" dirty="0"/>
+              <a:t>Unit Testing</a:t>
+            </a:r>
+          </a:p>
+        </p:txBody>
+      </p:sp>
+      <p:sp>
+        <p:nvSpPr>
+          <p:cNvPr id="12290" name="Rectangle 2"/>
+          <p:cNvSpPr>
+            <a:spLocks noGrp="1" noChangeArrowheads="1"/>
+          </p:cNvSpPr>
+          <p:nvPr>
+            <p:ph idx="1"/>
+          </p:nvPr>
+        </p:nvSpPr>
+        <p:spPr/>
+        <p:txBody>
+          <a:bodyPr/>
+          <a:lstStyle/>
+          <a:p>
+            <a:pPr marL="0" indent="0" eaLnBrk="1" hangingPunct="1">
+              <a:defRPr/>
+            </a:pPr>
+            <a:r>
+              <a:rPr lang="en-US" dirty="0"/>
+              <a:t>With Google Test</a:t>
+            </a:r>
+          </a:p>
+        </p:txBody>
+      </p:sp>
+      <p:sp>
+        <p:nvSpPr>
+          <p:cNvPr id="4" name="Slide Number Placeholder 3"/>
+          <p:cNvSpPr>
+            <a:spLocks noGrp="1"/>
+          </p:cNvSpPr>
+          <p:nvPr>
+            <p:ph type="sldNum" sz="quarter" idx="10"/>
+          </p:nvPr>
+        </p:nvSpPr>
+        <p:spPr/>
+        <p:txBody>
+          <a:bodyPr/>
+          <a:lstStyle/>
+          <a:p>
+            <a:pPr>
+              <a:defRPr/>
+            </a:pPr>
+            <a:fld id="{FF174A22-F644-8D40-AF6E-ACD99327719B}" type="slidenum">
+              <a:rPr lang="en-US"/>
+              <a:pPr>
+                <a:defRPr/>
+              </a:pPr>
+              <a:t>2</a:t>
+            </a:fld>
+            <a:endParaRPr lang="en-US"/>
+          </a:p>
+        </p:txBody>
+      </p:sp>
+    </p:spTree>
+  </p:cSld>
+  <p:clrMapOvr>
+    <a:masterClrMapping/>
+  </p:clrMapOvr>
+  <p:transition/>
+</p:sld>
+</file>
+
+<file path=ppt/slides/slide20.xml><?xml version="1.0" encoding="utf-8"?>
 <p:sld xmlns:a="http://schemas.openxmlformats.org/drawingml/2006/main" xmlns:r="http://schemas.openxmlformats.org/officeDocument/2006/relationships" xmlns:p="http://schemas.openxmlformats.org/presentationml/2006/main">
   <p:cSld>
     <p:spTree>
@@ -15362,7 +14939,7 @@
               <a:pPr>
                 <a:defRPr/>
               </a:pPr>
-              <a:t>21</a:t>
+              <a:t>20</a:t>
             </a:fld>
             <a:endParaRPr lang="en-US">
               <a:latin typeface="微软雅黑" panose="020B0503020204020204" pitchFamily="34" charset="-122"/>
@@ -15610,7 +15187,7 @@
 </p:sld>
 </file>
 
-<file path=ppt/slides/slide22.xml><?xml version="1.0" encoding="utf-8"?>
+<file path=ppt/slides/slide21.xml><?xml version="1.0" encoding="utf-8"?>
 <p:sld xmlns:a="http://schemas.openxmlformats.org/drawingml/2006/main" xmlns:r="http://schemas.openxmlformats.org/officeDocument/2006/relationships" xmlns:p="http://schemas.openxmlformats.org/presentationml/2006/main">
   <p:cSld>
     <p:spTree>
@@ -15829,7 +15406,7 @@
               <a:pPr>
                 <a:defRPr/>
               </a:pPr>
-              <a:t>22</a:t>
+              <a:t>21</a:t>
             </a:fld>
             <a:endParaRPr lang="en-US">
               <a:latin typeface="微软雅黑" panose="020B0503020204020204" pitchFamily="34" charset="-122"/>
@@ -15874,7 +15451,7 @@
 </p:sld>
 </file>
 
-<file path=ppt/slides/slide23.xml><?xml version="1.0" encoding="utf-8"?>
+<file path=ppt/slides/slide22.xml><?xml version="1.0" encoding="utf-8"?>
 <p:sld xmlns:a="http://schemas.openxmlformats.org/drawingml/2006/main" xmlns:r="http://schemas.openxmlformats.org/officeDocument/2006/relationships" xmlns:p="http://schemas.openxmlformats.org/presentationml/2006/main">
   <p:cSld>
     <p:spTree>
@@ -16005,7 +15582,7 @@
               <a:pPr>
                 <a:defRPr/>
               </a:pPr>
-              <a:t>23</a:t>
+              <a:t>22</a:t>
             </a:fld>
             <a:endParaRPr lang="en-US"/>
           </a:p>
@@ -16025,7 +15602,7 @@
 </p:sld>
 </file>
 
-<file path=ppt/slides/slide24.xml><?xml version="1.0" encoding="utf-8"?>
+<file path=ppt/slides/slide23.xml><?xml version="1.0" encoding="utf-8"?>
 <p:sld xmlns:a="http://schemas.openxmlformats.org/drawingml/2006/main" xmlns:r="http://schemas.openxmlformats.org/officeDocument/2006/relationships" xmlns:p="http://schemas.openxmlformats.org/presentationml/2006/main">
   <p:cSld>
     <p:spTree>
@@ -16122,7 +15699,7 @@
 </p:sld>
 </file>
 
-<file path=ppt/slides/slide25.xml><?xml version="1.0" encoding="utf-8"?>
+<file path=ppt/slides/slide24.xml><?xml version="1.0" encoding="utf-8"?>
 <p:sld xmlns:a="http://schemas.openxmlformats.org/drawingml/2006/main" xmlns:r="http://schemas.openxmlformats.org/officeDocument/2006/relationships" xmlns:p="http://schemas.openxmlformats.org/presentationml/2006/main">
   <p:cSld>
     <p:spTree>
@@ -17412,7 +16989,7 @@
             <a:effectLst/>
             <a:extLst>
               <a:ext uri="{C572A759-6A51-4108-AA02-DFA0A04FC94B}">
-                <ma14:wrappingTextBoxFlag xmlns:ma14="http://schemas.microsoft.com/office/mac/drawingml/2011/main" xmlns="" val="1"/>
+                <ma14:wrappingTextBoxFlag xmlns="" xmlns:ma14="http://schemas.microsoft.com/office/mac/drawingml/2011/main" val="1"/>
               </a:ext>
             </a:extLst>
           </p:spPr>
@@ -17694,7 +17271,7 @@
             <a:effectLst/>
             <a:extLst>
               <a:ext uri="{C572A759-6A51-4108-AA02-DFA0A04FC94B}">
-                <ma14:wrappingTextBoxFlag xmlns:ma14="http://schemas.microsoft.com/office/mac/drawingml/2011/main" xmlns="" val="1"/>
+                <ma14:wrappingTextBoxFlag xmlns="" xmlns:ma14="http://schemas.microsoft.com/office/mac/drawingml/2011/main" val="1"/>
               </a:ext>
             </a:extLst>
           </p:spPr>
@@ -17934,7 +17511,7 @@
             <a:effectLst/>
             <a:extLst>
               <a:ext uri="{C572A759-6A51-4108-AA02-DFA0A04FC94B}">
-                <ma14:wrappingTextBoxFlag xmlns:ma14="http://schemas.microsoft.com/office/mac/drawingml/2011/main" xmlns="" val="1"/>
+                <ma14:wrappingTextBoxFlag xmlns="" xmlns:ma14="http://schemas.microsoft.com/office/mac/drawingml/2011/main" val="1"/>
               </a:ext>
             </a:extLst>
           </p:spPr>
@@ -18174,7 +17751,7 @@
             <a:effectLst/>
             <a:extLst>
               <a:ext uri="{C572A759-6A51-4108-AA02-DFA0A04FC94B}">
-                <ma14:wrappingTextBoxFlag xmlns:ma14="http://schemas.microsoft.com/office/mac/drawingml/2011/main" xmlns="" val="1"/>
+                <ma14:wrappingTextBoxFlag xmlns="" xmlns:ma14="http://schemas.microsoft.com/office/mac/drawingml/2011/main" val="1"/>
               </a:ext>
             </a:extLst>
           </p:spPr>
@@ -18292,7 +17869,7 @@
             <a:effectLst/>
             <a:extLst>
               <a:ext uri="{C572A759-6A51-4108-AA02-DFA0A04FC94B}">
-                <ma14:wrappingTextBoxFlag xmlns:ma14="http://schemas.microsoft.com/office/mac/drawingml/2011/main" xmlns="" val="1"/>
+                <ma14:wrappingTextBoxFlag xmlns="" xmlns:ma14="http://schemas.microsoft.com/office/mac/drawingml/2011/main" val="1"/>
               </a:ext>
             </a:extLst>
           </p:spPr>
@@ -18410,7 +17987,7 @@
             <a:effectLst/>
             <a:extLst>
               <a:ext uri="{C572A759-6A51-4108-AA02-DFA0A04FC94B}">
-                <ma14:wrappingTextBoxFlag xmlns:ma14="http://schemas.microsoft.com/office/mac/drawingml/2011/main" xmlns="" val="1"/>
+                <ma14:wrappingTextBoxFlag xmlns="" xmlns:ma14="http://schemas.microsoft.com/office/mac/drawingml/2011/main" val="1"/>
               </a:ext>
             </a:extLst>
           </p:spPr>
@@ -18528,7 +18105,7 @@
             <a:effectLst/>
             <a:extLst>
               <a:ext uri="{C572A759-6A51-4108-AA02-DFA0A04FC94B}">
-                <ma14:wrappingTextBoxFlag xmlns:ma14="http://schemas.microsoft.com/office/mac/drawingml/2011/main" xmlns="" val="1"/>
+                <ma14:wrappingTextBoxFlag xmlns="" xmlns:ma14="http://schemas.microsoft.com/office/mac/drawingml/2011/main" val="1"/>
               </a:ext>
             </a:extLst>
           </p:spPr>
@@ -18646,7 +18223,7 @@
             <a:effectLst/>
             <a:extLst>
               <a:ext uri="{C572A759-6A51-4108-AA02-DFA0A04FC94B}">
-                <ma14:wrappingTextBoxFlag xmlns:ma14="http://schemas.microsoft.com/office/mac/drawingml/2011/main" xmlns="" val="1"/>
+                <ma14:wrappingTextBoxFlag xmlns="" xmlns:ma14="http://schemas.microsoft.com/office/mac/drawingml/2011/main" val="1"/>
               </a:ext>
             </a:extLst>
           </p:spPr>
@@ -18764,7 +18341,7 @@
             <a:effectLst/>
             <a:extLst>
               <a:ext uri="{C572A759-6A51-4108-AA02-DFA0A04FC94B}">
-                <ma14:wrappingTextBoxFlag xmlns:ma14="http://schemas.microsoft.com/office/mac/drawingml/2011/main" xmlns="" val="1"/>
+                <ma14:wrappingTextBoxFlag xmlns="" xmlns:ma14="http://schemas.microsoft.com/office/mac/drawingml/2011/main" val="1"/>
               </a:ext>
             </a:extLst>
           </p:spPr>
@@ -18882,7 +18459,7 @@
             <a:effectLst/>
             <a:extLst>
               <a:ext uri="{C572A759-6A51-4108-AA02-DFA0A04FC94B}">
-                <ma14:wrappingTextBoxFlag xmlns:ma14="http://schemas.microsoft.com/office/mac/drawingml/2011/main" xmlns="" val="1"/>
+                <ma14:wrappingTextBoxFlag xmlns="" xmlns:ma14="http://schemas.microsoft.com/office/mac/drawingml/2011/main" val="1"/>
               </a:ext>
             </a:extLst>
           </p:spPr>
@@ -20420,7 +19997,7 @@
         <a:effectLst/>
         <a:extLst>
           <a:ext uri="{91240B29-F687-4f45-9708-019B960494DF}">
-            <a14:hiddenLine xmlns="" xmlns:a14="http://schemas.microsoft.com/office/drawing/2010/main" w="25400" cap="flat" cmpd="sng" algn="ctr">
+            <a14:hiddenLine xmlns:a14="http://schemas.microsoft.com/office/drawing/2010/main" xmlns="" w="25400" cap="flat" cmpd="sng" algn="ctr">
               <a:solidFill>
                 <a:srgbClr val="000000"/>
               </a:solidFill>
@@ -20431,7 +20008,7 @@
             </a14:hiddenLine>
           </a:ext>
           <a:ext uri="{AF507438-7753-43e0-B8FC-AC1667EBCBE1}">
-            <a14:hiddenEffects xmlns="" xmlns:a14="http://schemas.microsoft.com/office/drawing/2010/main">
+            <a14:hiddenEffects xmlns:a14="http://schemas.microsoft.com/office/drawing/2010/main" xmlns="">
               <a:effectLst>
                 <a:outerShdw blurRad="63500" dist="38099" dir="2700000" algn="ctr" rotWithShape="0">
                   <a:schemeClr val="bg2">
@@ -20807,7 +20384,7 @@
         <a:effectLst/>
         <a:extLst>
           <a:ext uri="{91240B29-F687-4f45-9708-019B960494DF}">
-            <a14:hiddenLine xmlns="" xmlns:a14="http://schemas.microsoft.com/office/drawing/2010/main" w="25400" cap="flat" cmpd="sng" algn="ctr">
+            <a14:hiddenLine xmlns:a14="http://schemas.microsoft.com/office/drawing/2010/main" xmlns="" w="25400" cap="flat" cmpd="sng" algn="ctr">
               <a:solidFill>
                 <a:srgbClr val="000000"/>
               </a:solidFill>
@@ -20818,7 +20395,7 @@
             </a14:hiddenLine>
           </a:ext>
           <a:ext uri="{AF507438-7753-43e0-B8FC-AC1667EBCBE1}">
-            <a14:hiddenEffects xmlns="" xmlns:a14="http://schemas.microsoft.com/office/drawing/2010/main">
+            <a14:hiddenEffects xmlns:a14="http://schemas.microsoft.com/office/drawing/2010/main" xmlns="">
               <a:effectLst>
                 <a:outerShdw blurRad="63500" dist="38099" dir="2700000" algn="ctr" rotWithShape="0">
                   <a:schemeClr val="bg2">
@@ -21194,7 +20771,7 @@
         <a:effectLst/>
         <a:extLst>
           <a:ext uri="{91240B29-F687-4f45-9708-019B960494DF}">
-            <a14:hiddenLine xmlns="" xmlns:a14="http://schemas.microsoft.com/office/drawing/2010/main" w="25400" cap="flat" cmpd="sng" algn="ctr">
+            <a14:hiddenLine xmlns:a14="http://schemas.microsoft.com/office/drawing/2010/main" xmlns="" w="25400" cap="flat" cmpd="sng" algn="ctr">
               <a:solidFill>
                 <a:srgbClr val="000000"/>
               </a:solidFill>
@@ -21205,7 +20782,7 @@
             </a14:hiddenLine>
           </a:ext>
           <a:ext uri="{AF507438-7753-43e0-B8FC-AC1667EBCBE1}">
-            <a14:hiddenEffects xmlns="" xmlns:a14="http://schemas.microsoft.com/office/drawing/2010/main">
+            <a14:hiddenEffects xmlns:a14="http://schemas.microsoft.com/office/drawing/2010/main" xmlns="">
               <a:effectLst>
                 <a:outerShdw blurRad="63500" dist="38099" dir="2700000" algn="ctr" rotWithShape="0">
                   <a:schemeClr val="bg2">

--- a/UT/01 C Unit Testing.pptx
+++ b/UT/01 C Unit Testing.pptx
@@ -7,7 +7,7 @@
     <p:sldMasterId id="2147483864" r:id="rId3"/>
   </p:sldMasterIdLst>
   <p:notesMasterIdLst>
-    <p:notesMasterId r:id="rId28"/>
+    <p:notesMasterId r:id="rId29"/>
   </p:notesMasterIdLst>
   <p:sldIdLst>
     <p:sldId id="262" r:id="rId4"/>
@@ -20,20 +20,21 @@
     <p:sldId id="291" r:id="rId11"/>
     <p:sldId id="298" r:id="rId12"/>
     <p:sldId id="293" r:id="rId13"/>
-    <p:sldId id="294" r:id="rId14"/>
-    <p:sldId id="299" r:id="rId15"/>
-    <p:sldId id="308" r:id="rId16"/>
-    <p:sldId id="306" r:id="rId17"/>
-    <p:sldId id="307" r:id="rId18"/>
-    <p:sldId id="301" r:id="rId19"/>
-    <p:sldId id="300" r:id="rId20"/>
-    <p:sldId id="302" r:id="rId21"/>
-    <p:sldId id="304" r:id="rId22"/>
-    <p:sldId id="305" r:id="rId23"/>
-    <p:sldId id="292" r:id="rId24"/>
-    <p:sldId id="295" r:id="rId25"/>
-    <p:sldId id="297" r:id="rId26"/>
-    <p:sldId id="256" r:id="rId27"/>
+    <p:sldId id="309" r:id="rId14"/>
+    <p:sldId id="294" r:id="rId15"/>
+    <p:sldId id="299" r:id="rId16"/>
+    <p:sldId id="308" r:id="rId17"/>
+    <p:sldId id="306" r:id="rId18"/>
+    <p:sldId id="307" r:id="rId19"/>
+    <p:sldId id="301" r:id="rId20"/>
+    <p:sldId id="300" r:id="rId21"/>
+    <p:sldId id="302" r:id="rId22"/>
+    <p:sldId id="304" r:id="rId23"/>
+    <p:sldId id="305" r:id="rId24"/>
+    <p:sldId id="292" r:id="rId25"/>
+    <p:sldId id="295" r:id="rId26"/>
+    <p:sldId id="297" r:id="rId27"/>
+    <p:sldId id="256" r:id="rId28"/>
   </p:sldIdLst>
   <p:sldSz cx="13004800" cy="9753600"/>
   <p:notesSz cx="6858000" cy="9144000"/>
@@ -310,7 +311,7 @@
               <a:pPr>
                 <a:defRPr/>
               </a:pPr>
-              <a:t>8/10/2016</a:t>
+              <a:t>8/11/2016</a:t>
             </a:fld>
             <a:endParaRPr lang="en-US"/>
           </a:p>
@@ -661,7 +662,7 @@
           </a:ln>
           <a:extLst>
             <a:ext uri="{909E8E84-426E-40dd-AFC4-6F175D3DCCD1}">
-              <a14:hiddenFill xmlns:a14="http://schemas.microsoft.com/office/drawing/2010/main" xmlns="">
+              <a14:hiddenFill xmlns="" xmlns:a14="http://schemas.microsoft.com/office/drawing/2010/main">
                 <a:noFill/>
               </a14:hiddenFill>
             </a:ext>
@@ -705,7 +706,7 @@
           </a:ln>
           <a:extLst>
             <a:ext uri="{909E8E84-426E-40dd-AFC4-6F175D3DCCD1}">
-              <a14:hiddenFill xmlns:a14="http://schemas.microsoft.com/office/drawing/2010/main" xmlns="">
+              <a14:hiddenFill xmlns="" xmlns:a14="http://schemas.microsoft.com/office/drawing/2010/main">
                 <a:noFill/>
               </a14:hiddenFill>
             </a:ext>
@@ -754,14 +755,14 @@
           </a:ln>
           <a:extLst>
             <a:ext uri="{909E8E84-426E-40dd-AFC4-6F175D3DCCD1}">
-              <a14:hiddenFill xmlns:a14="http://schemas.microsoft.com/office/drawing/2010/main" xmlns="">
+              <a14:hiddenFill xmlns="" xmlns:a14="http://schemas.microsoft.com/office/drawing/2010/main">
                 <a:solidFill>
                   <a:srgbClr val="FFFFFF"/>
                 </a:solidFill>
               </a14:hiddenFill>
             </a:ext>
             <a:ext uri="{91240B29-F687-4f45-9708-019B960494DF}">
-              <a14:hiddenLine xmlns:a14="http://schemas.microsoft.com/office/drawing/2010/main" xmlns="" w="9525">
+              <a14:hiddenLine xmlns="" xmlns:a14="http://schemas.microsoft.com/office/drawing/2010/main" w="9525">
                 <a:solidFill>
                   <a:srgbClr val="000000"/>
                 </a:solidFill>
@@ -1106,7 +1107,7 @@
           </a:ln>
           <a:extLst>
             <a:ext uri="{909E8E84-426E-40dd-AFC4-6F175D3DCCD1}">
-              <a14:hiddenFill xmlns:a14="http://schemas.microsoft.com/office/drawing/2010/main" xmlns="">
+              <a14:hiddenFill xmlns="" xmlns:a14="http://schemas.microsoft.com/office/drawing/2010/main">
                 <a:noFill/>
               </a14:hiddenFill>
             </a:ext>
@@ -1155,14 +1156,14 @@
           </a:ln>
           <a:extLst>
             <a:ext uri="{909E8E84-426E-40dd-AFC4-6F175D3DCCD1}">
-              <a14:hiddenFill xmlns:a14="http://schemas.microsoft.com/office/drawing/2010/main" xmlns="">
+              <a14:hiddenFill xmlns="" xmlns:a14="http://schemas.microsoft.com/office/drawing/2010/main">
                 <a:solidFill>
                   <a:srgbClr val="FFFFFF"/>
                 </a:solidFill>
               </a14:hiddenFill>
             </a:ext>
             <a:ext uri="{91240B29-F687-4f45-9708-019B960494DF}">
-              <a14:hiddenLine xmlns:a14="http://schemas.microsoft.com/office/drawing/2010/main" xmlns="" w="9525">
+              <a14:hiddenLine xmlns="" xmlns:a14="http://schemas.microsoft.com/office/drawing/2010/main" w="9525">
                 <a:solidFill>
                   <a:srgbClr val="000000"/>
                 </a:solidFill>
@@ -1389,7 +1390,7 @@
           </a:ln>
           <a:extLst>
             <a:ext uri="{909E8E84-426E-40dd-AFC4-6F175D3DCCD1}">
-              <a14:hiddenFill xmlns:a14="http://schemas.microsoft.com/office/drawing/2010/main" xmlns="">
+              <a14:hiddenFill xmlns="" xmlns:a14="http://schemas.microsoft.com/office/drawing/2010/main">
                 <a:noFill/>
               </a14:hiddenFill>
             </a:ext>
@@ -1433,7 +1434,7 @@
           </a:ln>
           <a:extLst>
             <a:ext uri="{909E8E84-426E-40dd-AFC4-6F175D3DCCD1}">
-              <a14:hiddenFill xmlns:a14="http://schemas.microsoft.com/office/drawing/2010/main" xmlns="">
+              <a14:hiddenFill xmlns="" xmlns:a14="http://schemas.microsoft.com/office/drawing/2010/main">
                 <a:noFill/>
               </a14:hiddenFill>
             </a:ext>
@@ -1482,14 +1483,14 @@
           </a:ln>
           <a:extLst>
             <a:ext uri="{909E8E84-426E-40dd-AFC4-6F175D3DCCD1}">
-              <a14:hiddenFill xmlns:a14="http://schemas.microsoft.com/office/drawing/2010/main" xmlns="">
+              <a14:hiddenFill xmlns="" xmlns:a14="http://schemas.microsoft.com/office/drawing/2010/main">
                 <a:solidFill>
                   <a:srgbClr val="FFFFFF"/>
                 </a:solidFill>
               </a14:hiddenFill>
             </a:ext>
             <a:ext uri="{91240B29-F687-4f45-9708-019B960494DF}">
-              <a14:hiddenLine xmlns:a14="http://schemas.microsoft.com/office/drawing/2010/main" xmlns="" w="9525">
+              <a14:hiddenLine xmlns="" xmlns:a14="http://schemas.microsoft.com/office/drawing/2010/main" w="9525">
                 <a:solidFill>
                   <a:srgbClr val="000000"/>
                 </a:solidFill>
@@ -1761,7 +1762,7 @@
           </a:ln>
           <a:extLst>
             <a:ext uri="{909E8E84-426E-40dd-AFC4-6F175D3DCCD1}">
-              <a14:hiddenFill xmlns:a14="http://schemas.microsoft.com/office/drawing/2010/main" xmlns="">
+              <a14:hiddenFill xmlns="" xmlns:a14="http://schemas.microsoft.com/office/drawing/2010/main">
                 <a:noFill/>
               </a14:hiddenFill>
             </a:ext>
@@ -1964,7 +1965,7 @@
           </a:ln>
           <a:extLst>
             <a:ext uri="{909E8E84-426E-40dd-AFC4-6F175D3DCCD1}">
-              <a14:hiddenFill xmlns:a14="http://schemas.microsoft.com/office/drawing/2010/main" xmlns="">
+              <a14:hiddenFill xmlns="" xmlns:a14="http://schemas.microsoft.com/office/drawing/2010/main">
                 <a:noFill/>
               </a14:hiddenFill>
             </a:ext>
@@ -2172,7 +2173,7 @@
           </a:ln>
           <a:extLst>
             <a:ext uri="{909E8E84-426E-40dd-AFC4-6F175D3DCCD1}">
-              <a14:hiddenFill xmlns:a14="http://schemas.microsoft.com/office/drawing/2010/main" xmlns="">
+              <a14:hiddenFill xmlns="" xmlns:a14="http://schemas.microsoft.com/office/drawing/2010/main">
                 <a:noFill/>
               </a14:hiddenFill>
             </a:ext>
@@ -2421,7 +2422,7 @@
           </a:ln>
           <a:extLst>
             <a:ext uri="{909E8E84-426E-40dd-AFC4-6F175D3DCCD1}">
-              <a14:hiddenFill xmlns:a14="http://schemas.microsoft.com/office/drawing/2010/main" xmlns="">
+              <a14:hiddenFill xmlns="" xmlns:a14="http://schemas.microsoft.com/office/drawing/2010/main">
                 <a:noFill/>
               </a14:hiddenFill>
             </a:ext>
@@ -2470,14 +2471,14 @@
           </a:ln>
           <a:extLst>
             <a:ext uri="{909E8E84-426E-40dd-AFC4-6F175D3DCCD1}">
-              <a14:hiddenFill xmlns:a14="http://schemas.microsoft.com/office/drawing/2010/main" xmlns="">
+              <a14:hiddenFill xmlns="" xmlns:a14="http://schemas.microsoft.com/office/drawing/2010/main">
                 <a:solidFill>
                   <a:srgbClr val="FFFFFF"/>
                 </a:solidFill>
               </a14:hiddenFill>
             </a:ext>
             <a:ext uri="{91240B29-F687-4f45-9708-019B960494DF}">
-              <a14:hiddenLine xmlns:a14="http://schemas.microsoft.com/office/drawing/2010/main" xmlns="" w="9525">
+              <a14:hiddenLine xmlns="" xmlns:a14="http://schemas.microsoft.com/office/drawing/2010/main" w="9525">
                 <a:solidFill>
                   <a:srgbClr val="000000"/>
                 </a:solidFill>
@@ -2738,7 +2739,7 @@
           </a:ln>
           <a:extLst>
             <a:ext uri="{909E8E84-426E-40dd-AFC4-6F175D3DCCD1}">
-              <a14:hiddenFill xmlns:a14="http://schemas.microsoft.com/office/drawing/2010/main" xmlns="">
+              <a14:hiddenFill xmlns="" xmlns:a14="http://schemas.microsoft.com/office/drawing/2010/main">
                 <a:noFill/>
               </a14:hiddenFill>
             </a:ext>
@@ -2787,14 +2788,14 @@
           </a:ln>
           <a:extLst>
             <a:ext uri="{909E8E84-426E-40dd-AFC4-6F175D3DCCD1}">
-              <a14:hiddenFill xmlns:a14="http://schemas.microsoft.com/office/drawing/2010/main" xmlns="">
+              <a14:hiddenFill xmlns="" xmlns:a14="http://schemas.microsoft.com/office/drawing/2010/main">
                 <a:solidFill>
                   <a:srgbClr val="FFFFFF"/>
                 </a:solidFill>
               </a14:hiddenFill>
             </a:ext>
             <a:ext uri="{91240B29-F687-4f45-9708-019B960494DF}">
-              <a14:hiddenLine xmlns:a14="http://schemas.microsoft.com/office/drawing/2010/main" xmlns="" w="9525">
+              <a14:hiddenLine xmlns="" xmlns:a14="http://schemas.microsoft.com/office/drawing/2010/main" w="9525">
                 <a:solidFill>
                   <a:srgbClr val="000000"/>
                 </a:solidFill>
@@ -3435,7 +3436,7 @@
           </a:ln>
           <a:extLst>
             <a:ext uri="{909E8E84-426E-40dd-AFC4-6F175D3DCCD1}">
-              <a14:hiddenFill xmlns:a14="http://schemas.microsoft.com/office/drawing/2010/main" xmlns="">
+              <a14:hiddenFill xmlns="" xmlns:a14="http://schemas.microsoft.com/office/drawing/2010/main">
                 <a:noFill/>
               </a14:hiddenFill>
             </a:ext>
@@ -3628,7 +3629,7 @@
           </a:ln>
           <a:extLst>
             <a:ext uri="{909E8E84-426E-40dd-AFC4-6F175D3DCCD1}">
-              <a14:hiddenFill xmlns:a14="http://schemas.microsoft.com/office/drawing/2010/main" xmlns="">
+              <a14:hiddenFill xmlns="" xmlns:a14="http://schemas.microsoft.com/office/drawing/2010/main">
                 <a:noFill/>
               </a14:hiddenFill>
             </a:ext>
@@ -3669,7 +3670,7 @@
           </a:ln>
           <a:extLst>
             <a:ext uri="{909E8E84-426E-40dd-AFC4-6F175D3DCCD1}">
-              <a14:hiddenFill xmlns:a14="http://schemas.microsoft.com/office/drawing/2010/main" xmlns="">
+              <a14:hiddenFill xmlns="" xmlns:a14="http://schemas.microsoft.com/office/drawing/2010/main">
                 <a:noFill/>
               </a14:hiddenFill>
             </a:ext>
@@ -3879,7 +3880,7 @@
           </a:ln>
           <a:extLst>
             <a:ext uri="{909E8E84-426E-40dd-AFC4-6F175D3DCCD1}">
-              <a14:hiddenFill xmlns:a14="http://schemas.microsoft.com/office/drawing/2010/main" xmlns="">
+              <a14:hiddenFill xmlns="" xmlns:a14="http://schemas.microsoft.com/office/drawing/2010/main">
                 <a:noFill/>
               </a14:hiddenFill>
             </a:ext>
@@ -3928,14 +3929,14 @@
           </a:ln>
           <a:extLst>
             <a:ext uri="{909E8E84-426E-40dd-AFC4-6F175D3DCCD1}">
-              <a14:hiddenFill xmlns:a14="http://schemas.microsoft.com/office/drawing/2010/main" xmlns="">
+              <a14:hiddenFill xmlns="" xmlns:a14="http://schemas.microsoft.com/office/drawing/2010/main">
                 <a:solidFill>
                   <a:srgbClr val="FFFFFF"/>
                 </a:solidFill>
               </a14:hiddenFill>
             </a:ext>
             <a:ext uri="{91240B29-F687-4f45-9708-019B960494DF}">
-              <a14:hiddenLine xmlns:a14="http://schemas.microsoft.com/office/drawing/2010/main" xmlns="" w="9525">
+              <a14:hiddenLine xmlns="" xmlns:a14="http://schemas.microsoft.com/office/drawing/2010/main" w="9525">
                 <a:solidFill>
                   <a:srgbClr val="000000"/>
                 </a:solidFill>
@@ -4164,7 +4165,7 @@
           </a:ln>
           <a:extLst>
             <a:ext uri="{909E8E84-426E-40dd-AFC4-6F175D3DCCD1}">
-              <a14:hiddenFill xmlns:a14="http://schemas.microsoft.com/office/drawing/2010/main" xmlns="">
+              <a14:hiddenFill xmlns="" xmlns:a14="http://schemas.microsoft.com/office/drawing/2010/main">
                 <a:noFill/>
               </a14:hiddenFill>
             </a:ext>
@@ -4208,7 +4209,7 @@
           </a:ln>
           <a:extLst>
             <a:ext uri="{909E8E84-426E-40dd-AFC4-6F175D3DCCD1}">
-              <a14:hiddenFill xmlns:a14="http://schemas.microsoft.com/office/drawing/2010/main" xmlns="">
+              <a14:hiddenFill xmlns="" xmlns:a14="http://schemas.microsoft.com/office/drawing/2010/main">
                 <a:noFill/>
               </a14:hiddenFill>
             </a:ext>
@@ -4257,14 +4258,14 @@
           </a:ln>
           <a:extLst>
             <a:ext uri="{909E8E84-426E-40dd-AFC4-6F175D3DCCD1}">
-              <a14:hiddenFill xmlns:a14="http://schemas.microsoft.com/office/drawing/2010/main" xmlns="">
+              <a14:hiddenFill xmlns="" xmlns:a14="http://schemas.microsoft.com/office/drawing/2010/main">
                 <a:solidFill>
                   <a:srgbClr val="FFFFFF"/>
                 </a:solidFill>
               </a14:hiddenFill>
             </a:ext>
             <a:ext uri="{91240B29-F687-4f45-9708-019B960494DF}">
-              <a14:hiddenLine xmlns:a14="http://schemas.microsoft.com/office/drawing/2010/main" xmlns="" w="9525">
+              <a14:hiddenLine xmlns="" xmlns:a14="http://schemas.microsoft.com/office/drawing/2010/main" w="9525">
                 <a:solidFill>
                   <a:srgbClr val="000000"/>
                 </a:solidFill>
@@ -4536,7 +4537,7 @@
           </a:ln>
           <a:extLst>
             <a:ext uri="{909E8E84-426E-40dd-AFC4-6F175D3DCCD1}">
-              <a14:hiddenFill xmlns:a14="http://schemas.microsoft.com/office/drawing/2010/main" xmlns="">
+              <a14:hiddenFill xmlns="" xmlns:a14="http://schemas.microsoft.com/office/drawing/2010/main">
                 <a:noFill/>
               </a14:hiddenFill>
             </a:ext>
@@ -4748,7 +4749,7 @@
           </a:ln>
           <a:extLst>
             <a:ext uri="{909E8E84-426E-40dd-AFC4-6F175D3DCCD1}">
-              <a14:hiddenFill xmlns:a14="http://schemas.microsoft.com/office/drawing/2010/main" xmlns="">
+              <a14:hiddenFill xmlns="" xmlns:a14="http://schemas.microsoft.com/office/drawing/2010/main">
                 <a:noFill/>
               </a14:hiddenFill>
             </a:ext>
@@ -4965,7 +4966,7 @@
           </a:ln>
           <a:extLst>
             <a:ext uri="{909E8E84-426E-40dd-AFC4-6F175D3DCCD1}">
-              <a14:hiddenFill xmlns:a14="http://schemas.microsoft.com/office/drawing/2010/main" xmlns="">
+              <a14:hiddenFill xmlns="" xmlns:a14="http://schemas.microsoft.com/office/drawing/2010/main">
                 <a:noFill/>
               </a14:hiddenFill>
             </a:ext>
@@ -5214,7 +5215,7 @@
           </a:ln>
           <a:extLst>
             <a:ext uri="{909E8E84-426E-40dd-AFC4-6F175D3DCCD1}">
-              <a14:hiddenFill xmlns:a14="http://schemas.microsoft.com/office/drawing/2010/main" xmlns="">
+              <a14:hiddenFill xmlns="" xmlns:a14="http://schemas.microsoft.com/office/drawing/2010/main">
                 <a:noFill/>
               </a14:hiddenFill>
             </a:ext>
@@ -5263,14 +5264,14 @@
           </a:ln>
           <a:extLst>
             <a:ext uri="{909E8E84-426E-40dd-AFC4-6F175D3DCCD1}">
-              <a14:hiddenFill xmlns:a14="http://schemas.microsoft.com/office/drawing/2010/main" xmlns="">
+              <a14:hiddenFill xmlns="" xmlns:a14="http://schemas.microsoft.com/office/drawing/2010/main">
                 <a:solidFill>
                   <a:srgbClr val="FFFFFF"/>
                 </a:solidFill>
               </a14:hiddenFill>
             </a:ext>
             <a:ext uri="{91240B29-F687-4f45-9708-019B960494DF}">
-              <a14:hiddenLine xmlns:a14="http://schemas.microsoft.com/office/drawing/2010/main" xmlns="" w="9525">
+              <a14:hiddenLine xmlns="" xmlns:a14="http://schemas.microsoft.com/office/drawing/2010/main" w="9525">
                 <a:solidFill>
                   <a:srgbClr val="000000"/>
                 </a:solidFill>
@@ -5531,7 +5532,7 @@
           </a:ln>
           <a:extLst>
             <a:ext uri="{909E8E84-426E-40dd-AFC4-6F175D3DCCD1}">
-              <a14:hiddenFill xmlns:a14="http://schemas.microsoft.com/office/drawing/2010/main" xmlns="">
+              <a14:hiddenFill xmlns="" xmlns:a14="http://schemas.microsoft.com/office/drawing/2010/main">
                 <a:noFill/>
               </a14:hiddenFill>
             </a:ext>
@@ -5580,14 +5581,14 @@
           </a:ln>
           <a:extLst>
             <a:ext uri="{909E8E84-426E-40dd-AFC4-6F175D3DCCD1}">
-              <a14:hiddenFill xmlns:a14="http://schemas.microsoft.com/office/drawing/2010/main" xmlns="">
+              <a14:hiddenFill xmlns="" xmlns:a14="http://schemas.microsoft.com/office/drawing/2010/main">
                 <a:solidFill>
                   <a:srgbClr val="FFFFFF"/>
                 </a:solidFill>
               </a14:hiddenFill>
             </a:ext>
             <a:ext uri="{91240B29-F687-4f45-9708-019B960494DF}">
-              <a14:hiddenLine xmlns:a14="http://schemas.microsoft.com/office/drawing/2010/main" xmlns="" w="9525">
+              <a14:hiddenLine xmlns="" xmlns:a14="http://schemas.microsoft.com/office/drawing/2010/main" w="9525">
                 <a:solidFill>
                   <a:srgbClr val="000000"/>
                 </a:solidFill>
@@ -6054,7 +6055,7 @@
           </a:ln>
           <a:extLst>
             <a:ext uri="{909E8E84-426E-40dd-AFC4-6F175D3DCCD1}">
-              <a14:hiddenFill xmlns:a14="http://schemas.microsoft.com/office/drawing/2010/main" xmlns="">
+              <a14:hiddenFill xmlns="" xmlns:a14="http://schemas.microsoft.com/office/drawing/2010/main">
                 <a:noFill/>
               </a14:hiddenFill>
             </a:ext>
@@ -6432,7 +6433,7 @@
           </a:ln>
           <a:extLst>
             <a:ext uri="{909E8E84-426E-40dd-AFC4-6F175D3DCCD1}">
-              <a14:hiddenFill xmlns:a14="http://schemas.microsoft.com/office/drawing/2010/main" xmlns="">
+              <a14:hiddenFill xmlns="" xmlns:a14="http://schemas.microsoft.com/office/drawing/2010/main">
                 <a:noFill/>
               </a14:hiddenFill>
             </a:ext>
@@ -6473,7 +6474,7 @@
           </a:ln>
           <a:extLst>
             <a:ext uri="{909E8E84-426E-40dd-AFC4-6F175D3DCCD1}">
-              <a14:hiddenFill xmlns:a14="http://schemas.microsoft.com/office/drawing/2010/main" xmlns="">
+              <a14:hiddenFill xmlns="" xmlns:a14="http://schemas.microsoft.com/office/drawing/2010/main">
                 <a:noFill/>
               </a14:hiddenFill>
             </a:ext>
@@ -6683,7 +6684,7 @@
           </a:ln>
           <a:extLst>
             <a:ext uri="{909E8E84-426E-40dd-AFC4-6F175D3DCCD1}">
-              <a14:hiddenFill xmlns:a14="http://schemas.microsoft.com/office/drawing/2010/main" xmlns="">
+              <a14:hiddenFill xmlns="" xmlns:a14="http://schemas.microsoft.com/office/drawing/2010/main">
                 <a:noFill/>
               </a14:hiddenFill>
             </a:ext>
@@ -6732,14 +6733,14 @@
           </a:ln>
           <a:extLst>
             <a:ext uri="{909E8E84-426E-40dd-AFC4-6F175D3DCCD1}">
-              <a14:hiddenFill xmlns:a14="http://schemas.microsoft.com/office/drawing/2010/main" xmlns="">
+              <a14:hiddenFill xmlns="" xmlns:a14="http://schemas.microsoft.com/office/drawing/2010/main">
                 <a:solidFill>
                   <a:srgbClr val="FFFFFF"/>
                 </a:solidFill>
               </a14:hiddenFill>
             </a:ext>
             <a:ext uri="{91240B29-F687-4f45-9708-019B960494DF}">
-              <a14:hiddenLine xmlns:a14="http://schemas.microsoft.com/office/drawing/2010/main" xmlns="" w="9525">
+              <a14:hiddenLine xmlns="" xmlns:a14="http://schemas.microsoft.com/office/drawing/2010/main" w="9525">
                 <a:solidFill>
                   <a:srgbClr val="000000"/>
                 </a:solidFill>
@@ -6968,7 +6969,7 @@
           </a:ln>
           <a:extLst>
             <a:ext uri="{909E8E84-426E-40dd-AFC4-6F175D3DCCD1}">
-              <a14:hiddenFill xmlns:a14="http://schemas.microsoft.com/office/drawing/2010/main" xmlns="">
+              <a14:hiddenFill xmlns="" xmlns:a14="http://schemas.microsoft.com/office/drawing/2010/main">
                 <a:noFill/>
               </a14:hiddenFill>
             </a:ext>
@@ -7219,7 +7220,7 @@
           </a:ln>
           <a:extLst>
             <a:ext uri="{909E8E84-426E-40dd-AFC4-6F175D3DCCD1}">
-              <a14:hiddenFill xmlns:a14="http://schemas.microsoft.com/office/drawing/2010/main" xmlns="">
+              <a14:hiddenFill xmlns="" xmlns:a14="http://schemas.microsoft.com/office/drawing/2010/main">
                 <a:noFill/>
               </a14:hiddenFill>
             </a:ext>
@@ -7268,14 +7269,14 @@
           </a:ln>
           <a:extLst>
             <a:ext uri="{909E8E84-426E-40dd-AFC4-6F175D3DCCD1}">
-              <a14:hiddenFill xmlns:a14="http://schemas.microsoft.com/office/drawing/2010/main" xmlns="">
+              <a14:hiddenFill xmlns="" xmlns:a14="http://schemas.microsoft.com/office/drawing/2010/main">
                 <a:solidFill>
                   <a:srgbClr val="FFFFFF"/>
                 </a:solidFill>
               </a14:hiddenFill>
             </a:ext>
             <a:ext uri="{91240B29-F687-4f45-9708-019B960494DF}">
-              <a14:hiddenLine xmlns:a14="http://schemas.microsoft.com/office/drawing/2010/main" xmlns="" w="9525">
+              <a14:hiddenLine xmlns="" xmlns:a14="http://schemas.microsoft.com/office/drawing/2010/main" w="9525">
                 <a:solidFill>
                   <a:srgbClr val="000000"/>
                 </a:solidFill>
@@ -7537,7 +7538,7 @@
           </a:ln>
           <a:extLst>
             <a:ext uri="{909E8E84-426E-40dd-AFC4-6F175D3DCCD1}">
-              <a14:hiddenFill xmlns:a14="http://schemas.microsoft.com/office/drawing/2010/main" xmlns="">
+              <a14:hiddenFill xmlns="" xmlns:a14="http://schemas.microsoft.com/office/drawing/2010/main">
                 <a:noFill/>
               </a14:hiddenFill>
             </a:ext>
@@ -7586,14 +7587,14 @@
           </a:ln>
           <a:extLst>
             <a:ext uri="{909E8E84-426E-40dd-AFC4-6F175D3DCCD1}">
-              <a14:hiddenFill xmlns:a14="http://schemas.microsoft.com/office/drawing/2010/main" xmlns="">
+              <a14:hiddenFill xmlns="" xmlns:a14="http://schemas.microsoft.com/office/drawing/2010/main">
                 <a:solidFill>
                   <a:srgbClr val="FFFFFF"/>
                 </a:solidFill>
               </a14:hiddenFill>
             </a:ext>
             <a:ext uri="{91240B29-F687-4f45-9708-019B960494DF}">
-              <a14:hiddenLine xmlns:a14="http://schemas.microsoft.com/office/drawing/2010/main" xmlns="" w="9525">
+              <a14:hiddenLine xmlns="" xmlns:a14="http://schemas.microsoft.com/office/drawing/2010/main" w="9525">
                 <a:solidFill>
                   <a:srgbClr val="000000"/>
                 </a:solidFill>
@@ -8229,7 +8230,7 @@
           </a:ln>
           <a:extLst>
             <a:ext uri="{909E8E84-426E-40dd-AFC4-6F175D3DCCD1}">
-              <a14:hiddenFill xmlns:a14="http://schemas.microsoft.com/office/drawing/2010/main" xmlns="">
+              <a14:hiddenFill xmlns="" xmlns:a14="http://schemas.microsoft.com/office/drawing/2010/main">
                 <a:noFill/>
               </a14:hiddenFill>
             </a:ext>
@@ -8270,7 +8271,7 @@
           </a:ln>
           <a:extLst>
             <a:ext uri="{909E8E84-426E-40dd-AFC4-6F175D3DCCD1}">
-              <a14:hiddenFill xmlns:a14="http://schemas.microsoft.com/office/drawing/2010/main" xmlns="">
+              <a14:hiddenFill xmlns="" xmlns:a14="http://schemas.microsoft.com/office/drawing/2010/main">
                 <a:noFill/>
               </a14:hiddenFill>
             </a:ext>
@@ -8413,17 +8414,17 @@
           <a:effectLst/>
           <a:extLst>
             <a:ext uri="{FAA26D3D-D897-4be2-8F04-BA451C77F1D7}">
-              <ma14:placeholderFlag xmlns="" xmlns:ma14="http://schemas.microsoft.com/office/mac/drawingml/2011/main" val="1"/>
+              <ma14:placeholderFlag xmlns:ma14="http://schemas.microsoft.com/office/mac/drawingml/2011/main" xmlns="" val="1"/>
             </a:ext>
             <a:ext uri="{909E8E84-426E-40dd-AFC4-6F175D3DCCD1}">
-              <a14:hiddenFill xmlns:a14="http://schemas.microsoft.com/office/drawing/2010/main" xmlns="">
+              <a14:hiddenFill xmlns="" xmlns:a14="http://schemas.microsoft.com/office/drawing/2010/main">
                 <a:solidFill>
                   <a:srgbClr val="FFFFFF"/>
                 </a:solidFill>
               </a14:hiddenFill>
             </a:ext>
             <a:ext uri="{91240B29-F687-4f45-9708-019B960494DF}">
-              <a14:hiddenLine xmlns:a14="http://schemas.microsoft.com/office/drawing/2010/main" xmlns="" w="12700">
+              <a14:hiddenLine xmlns="" xmlns:a14="http://schemas.microsoft.com/office/drawing/2010/main" w="12700">
                 <a:solidFill>
                   <a:schemeClr val="tx1"/>
                 </a:solidFill>
@@ -8433,7 +8434,7 @@
               </a14:hiddenLine>
             </a:ext>
             <a:ext uri="{AF507438-7753-43e0-B8FC-AC1667EBCBE1}">
-              <a14:hiddenEffects xmlns:a14="http://schemas.microsoft.com/office/drawing/2010/main" xmlns="">
+              <a14:hiddenEffects xmlns="" xmlns:a14="http://schemas.microsoft.com/office/drawing/2010/main">
                 <a:effectLst>
                   <a:outerShdw blurRad="63500" dist="38099" dir="2700000" algn="ctr" rotWithShape="0">
                     <a:srgbClr val="000000">
@@ -8491,17 +8492,17 @@
           <a:effectLst/>
           <a:extLst>
             <a:ext uri="{FAA26D3D-D897-4be2-8F04-BA451C77F1D7}">
-              <ma14:placeholderFlag xmlns="" xmlns:ma14="http://schemas.microsoft.com/office/mac/drawingml/2011/main" val="1"/>
+              <ma14:placeholderFlag xmlns:ma14="http://schemas.microsoft.com/office/mac/drawingml/2011/main" xmlns="" val="1"/>
             </a:ext>
             <a:ext uri="{909E8E84-426E-40dd-AFC4-6F175D3DCCD1}">
-              <a14:hiddenFill xmlns:a14="http://schemas.microsoft.com/office/drawing/2010/main" xmlns="">
+              <a14:hiddenFill xmlns="" xmlns:a14="http://schemas.microsoft.com/office/drawing/2010/main">
                 <a:solidFill>
                   <a:srgbClr val="FFFFFF"/>
                 </a:solidFill>
               </a14:hiddenFill>
             </a:ext>
             <a:ext uri="{91240B29-F687-4f45-9708-019B960494DF}">
-              <a14:hiddenLine xmlns:a14="http://schemas.microsoft.com/office/drawing/2010/main" xmlns="" w="12700">
+              <a14:hiddenLine xmlns="" xmlns:a14="http://schemas.microsoft.com/office/drawing/2010/main" w="12700">
                 <a:solidFill>
                   <a:schemeClr val="tx1"/>
                 </a:solidFill>
@@ -8511,7 +8512,7 @@
               </a14:hiddenLine>
             </a:ext>
             <a:ext uri="{AF507438-7753-43e0-B8FC-AC1667EBCBE1}">
-              <a14:hiddenEffects xmlns:a14="http://schemas.microsoft.com/office/drawing/2010/main" xmlns="">
+              <a14:hiddenEffects xmlns="" xmlns:a14="http://schemas.microsoft.com/office/drawing/2010/main">
                 <a:effectLst>
                   <a:outerShdw blurRad="63500" dist="38099" dir="2700000" algn="ctr" rotWithShape="0">
                     <a:srgbClr val="000000">
@@ -8605,14 +8606,14 @@
           <a:effectLst/>
           <a:extLst>
             <a:ext uri="{909E8E84-426E-40dd-AFC4-6F175D3DCCD1}">
-              <a14:hiddenFill xmlns:a14="http://schemas.microsoft.com/office/drawing/2010/main" xmlns="">
+              <a14:hiddenFill xmlns="" xmlns:a14="http://schemas.microsoft.com/office/drawing/2010/main">
                 <a:solidFill>
                   <a:srgbClr val="FFFFFF"/>
                 </a:solidFill>
               </a14:hiddenFill>
             </a:ext>
             <a:ext uri="{91240B29-F687-4f45-9708-019B960494DF}">
-              <a14:hiddenLine xmlns:a14="http://schemas.microsoft.com/office/drawing/2010/main" xmlns="" w="12700">
+              <a14:hiddenLine xmlns="" xmlns:a14="http://schemas.microsoft.com/office/drawing/2010/main" w="12700">
                 <a:solidFill>
                   <a:schemeClr val="tx1"/>
                 </a:solidFill>
@@ -8622,7 +8623,7 @@
               </a14:hiddenLine>
             </a:ext>
             <a:ext uri="{AF507438-7753-43e0-B8FC-AC1667EBCBE1}">
-              <a14:hiddenEffects xmlns:a14="http://schemas.microsoft.com/office/drawing/2010/main" xmlns="">
+              <a14:hiddenEffects xmlns="" xmlns:a14="http://schemas.microsoft.com/office/drawing/2010/main">
                 <a:effectLst>
                   <a:outerShdw blurRad="63500" dist="38099" dir="2700000" algn="ctr" rotWithShape="0">
                     <a:srgbClr val="000000">
@@ -9308,17 +9309,17 @@
           <a:effectLst/>
           <a:extLst>
             <a:ext uri="{FAA26D3D-D897-4be2-8F04-BA451C77F1D7}">
-              <ma14:placeholderFlag xmlns="" xmlns:ma14="http://schemas.microsoft.com/office/mac/drawingml/2011/main" val="1"/>
+              <ma14:placeholderFlag xmlns:ma14="http://schemas.microsoft.com/office/mac/drawingml/2011/main" xmlns="" val="1"/>
             </a:ext>
             <a:ext uri="{909E8E84-426E-40dd-AFC4-6F175D3DCCD1}">
-              <a14:hiddenFill xmlns:a14="http://schemas.microsoft.com/office/drawing/2010/main" xmlns="">
+              <a14:hiddenFill xmlns="" xmlns:a14="http://schemas.microsoft.com/office/drawing/2010/main">
                 <a:solidFill>
                   <a:srgbClr val="FFFFFF"/>
                 </a:solidFill>
               </a14:hiddenFill>
             </a:ext>
             <a:ext uri="{91240B29-F687-4f45-9708-019B960494DF}">
-              <a14:hiddenLine xmlns:a14="http://schemas.microsoft.com/office/drawing/2010/main" xmlns="" w="12700">
+              <a14:hiddenLine xmlns="" xmlns:a14="http://schemas.microsoft.com/office/drawing/2010/main" w="12700">
                 <a:solidFill>
                   <a:schemeClr val="tx1"/>
                 </a:solidFill>
@@ -9328,7 +9329,7 @@
               </a14:hiddenLine>
             </a:ext>
             <a:ext uri="{AF507438-7753-43e0-B8FC-AC1667EBCBE1}">
-              <a14:hiddenEffects xmlns:a14="http://schemas.microsoft.com/office/drawing/2010/main" xmlns="">
+              <a14:hiddenEffects xmlns="" xmlns:a14="http://schemas.microsoft.com/office/drawing/2010/main">
                 <a:effectLst>
                   <a:outerShdw blurRad="63500" dist="38099" dir="2700000" algn="ctr" rotWithShape="0">
                     <a:srgbClr val="000000">
@@ -9383,17 +9384,17 @@
           <a:effectLst/>
           <a:extLst>
             <a:ext uri="{FAA26D3D-D897-4be2-8F04-BA451C77F1D7}">
-              <ma14:placeholderFlag xmlns="" xmlns:ma14="http://schemas.microsoft.com/office/mac/drawingml/2011/main" val="1"/>
+              <ma14:placeholderFlag xmlns:ma14="http://schemas.microsoft.com/office/mac/drawingml/2011/main" xmlns="" val="1"/>
             </a:ext>
             <a:ext uri="{909E8E84-426E-40dd-AFC4-6F175D3DCCD1}">
-              <a14:hiddenFill xmlns:a14="http://schemas.microsoft.com/office/drawing/2010/main" xmlns="">
+              <a14:hiddenFill xmlns="" xmlns:a14="http://schemas.microsoft.com/office/drawing/2010/main">
                 <a:solidFill>
                   <a:srgbClr val="FFFFFF"/>
                 </a:solidFill>
               </a14:hiddenFill>
             </a:ext>
             <a:ext uri="{91240B29-F687-4f45-9708-019B960494DF}">
-              <a14:hiddenLine xmlns:a14="http://schemas.microsoft.com/office/drawing/2010/main" xmlns="" w="12700">
+              <a14:hiddenLine xmlns="" xmlns:a14="http://schemas.microsoft.com/office/drawing/2010/main" w="12700">
                 <a:solidFill>
                   <a:schemeClr val="tx1"/>
                 </a:solidFill>
@@ -9403,7 +9404,7 @@
               </a14:hiddenLine>
             </a:ext>
             <a:ext uri="{AF507438-7753-43e0-B8FC-AC1667EBCBE1}">
-              <a14:hiddenEffects xmlns:a14="http://schemas.microsoft.com/office/drawing/2010/main" xmlns="">
+              <a14:hiddenEffects xmlns="" xmlns:a14="http://schemas.microsoft.com/office/drawing/2010/main">
                 <a:effectLst>
                   <a:outerShdw blurRad="63500" dist="38099" dir="2700000" algn="ctr" rotWithShape="0">
                     <a:srgbClr val="000000">
@@ -9494,14 +9495,14 @@
           <a:effectLst/>
           <a:extLst>
             <a:ext uri="{909E8E84-426E-40dd-AFC4-6F175D3DCCD1}">
-              <a14:hiddenFill xmlns:a14="http://schemas.microsoft.com/office/drawing/2010/main" xmlns="">
+              <a14:hiddenFill xmlns="" xmlns:a14="http://schemas.microsoft.com/office/drawing/2010/main">
                 <a:solidFill>
                   <a:srgbClr val="FFFFFF"/>
                 </a:solidFill>
               </a14:hiddenFill>
             </a:ext>
             <a:ext uri="{91240B29-F687-4f45-9708-019B960494DF}">
-              <a14:hiddenLine xmlns:a14="http://schemas.microsoft.com/office/drawing/2010/main" xmlns="" w="12700">
+              <a14:hiddenLine xmlns="" xmlns:a14="http://schemas.microsoft.com/office/drawing/2010/main" w="12700">
                 <a:solidFill>
                   <a:schemeClr val="tx1"/>
                 </a:solidFill>
@@ -9511,7 +9512,7 @@
               </a14:hiddenLine>
             </a:ext>
             <a:ext uri="{AF507438-7753-43e0-B8FC-AC1667EBCBE1}">
-              <a14:hiddenEffects xmlns:a14="http://schemas.microsoft.com/office/drawing/2010/main" xmlns="">
+              <a14:hiddenEffects xmlns="" xmlns:a14="http://schemas.microsoft.com/office/drawing/2010/main">
                 <a:effectLst>
                   <a:outerShdw blurRad="63500" dist="38099" dir="2700000" algn="ctr" rotWithShape="0">
                     <a:srgbClr val="000000">
@@ -10206,17 +10207,17 @@
           <a:effectLst/>
           <a:extLst>
             <a:ext uri="{FAA26D3D-D897-4be2-8F04-BA451C77F1D7}">
-              <ma14:placeholderFlag xmlns="" xmlns:ma14="http://schemas.microsoft.com/office/mac/drawingml/2011/main" val="1"/>
+              <ma14:placeholderFlag xmlns:ma14="http://schemas.microsoft.com/office/mac/drawingml/2011/main" xmlns="" val="1"/>
             </a:ext>
             <a:ext uri="{909E8E84-426E-40dd-AFC4-6F175D3DCCD1}">
-              <a14:hiddenFill xmlns:a14="http://schemas.microsoft.com/office/drawing/2010/main" xmlns="">
+              <a14:hiddenFill xmlns="" xmlns:a14="http://schemas.microsoft.com/office/drawing/2010/main">
                 <a:solidFill>
                   <a:srgbClr val="FFFFFF"/>
                 </a:solidFill>
               </a14:hiddenFill>
             </a:ext>
             <a:ext uri="{91240B29-F687-4f45-9708-019B960494DF}">
-              <a14:hiddenLine xmlns:a14="http://schemas.microsoft.com/office/drawing/2010/main" xmlns="" w="12700">
+              <a14:hiddenLine xmlns="" xmlns:a14="http://schemas.microsoft.com/office/drawing/2010/main" w="12700">
                 <a:solidFill>
                   <a:schemeClr val="tx1"/>
                 </a:solidFill>
@@ -10226,7 +10227,7 @@
               </a14:hiddenLine>
             </a:ext>
             <a:ext uri="{AF507438-7753-43e0-B8FC-AC1667EBCBE1}">
-              <a14:hiddenEffects xmlns:a14="http://schemas.microsoft.com/office/drawing/2010/main" xmlns="">
+              <a14:hiddenEffects xmlns="" xmlns:a14="http://schemas.microsoft.com/office/drawing/2010/main">
                 <a:effectLst>
                   <a:outerShdw blurRad="63500" dist="38099" dir="2700000" algn="ctr" rotWithShape="0">
                     <a:srgbClr val="000000">
@@ -10281,17 +10282,17 @@
           <a:effectLst/>
           <a:extLst>
             <a:ext uri="{FAA26D3D-D897-4be2-8F04-BA451C77F1D7}">
-              <ma14:placeholderFlag xmlns="" xmlns:ma14="http://schemas.microsoft.com/office/mac/drawingml/2011/main" val="1"/>
+              <ma14:placeholderFlag xmlns:ma14="http://schemas.microsoft.com/office/mac/drawingml/2011/main" xmlns="" val="1"/>
             </a:ext>
             <a:ext uri="{909E8E84-426E-40dd-AFC4-6F175D3DCCD1}">
-              <a14:hiddenFill xmlns:a14="http://schemas.microsoft.com/office/drawing/2010/main" xmlns="">
+              <a14:hiddenFill xmlns="" xmlns:a14="http://schemas.microsoft.com/office/drawing/2010/main">
                 <a:solidFill>
                   <a:srgbClr val="FFFFFF"/>
                 </a:solidFill>
               </a14:hiddenFill>
             </a:ext>
             <a:ext uri="{91240B29-F687-4f45-9708-019B960494DF}">
-              <a14:hiddenLine xmlns:a14="http://schemas.microsoft.com/office/drawing/2010/main" xmlns="" w="12700">
+              <a14:hiddenLine xmlns="" xmlns:a14="http://schemas.microsoft.com/office/drawing/2010/main" w="12700">
                 <a:solidFill>
                   <a:schemeClr val="tx1"/>
                 </a:solidFill>
@@ -10301,7 +10302,7 @@
               </a14:hiddenLine>
             </a:ext>
             <a:ext uri="{AF507438-7753-43e0-B8FC-AC1667EBCBE1}">
-              <a14:hiddenEffects xmlns:a14="http://schemas.microsoft.com/office/drawing/2010/main" xmlns="">
+              <a14:hiddenEffects xmlns="" xmlns:a14="http://schemas.microsoft.com/office/drawing/2010/main">
                 <a:effectLst>
                   <a:outerShdw blurRad="63500" dist="38099" dir="2700000" algn="ctr" rotWithShape="0">
                     <a:srgbClr val="000000">
@@ -10392,14 +10393,14 @@
           <a:effectLst/>
           <a:extLst>
             <a:ext uri="{909E8E84-426E-40dd-AFC4-6F175D3DCCD1}">
-              <a14:hiddenFill xmlns:a14="http://schemas.microsoft.com/office/drawing/2010/main" xmlns="">
+              <a14:hiddenFill xmlns="" xmlns:a14="http://schemas.microsoft.com/office/drawing/2010/main">
                 <a:solidFill>
                   <a:srgbClr val="FFFFFF"/>
                 </a:solidFill>
               </a14:hiddenFill>
             </a:ext>
             <a:ext uri="{91240B29-F687-4f45-9708-019B960494DF}">
-              <a14:hiddenLine xmlns:a14="http://schemas.microsoft.com/office/drawing/2010/main" xmlns="" w="12700">
+              <a14:hiddenLine xmlns="" xmlns:a14="http://schemas.microsoft.com/office/drawing/2010/main" w="12700">
                 <a:solidFill>
                   <a:schemeClr val="tx1"/>
                 </a:solidFill>
@@ -10409,7 +10410,7 @@
               </a14:hiddenLine>
             </a:ext>
             <a:ext uri="{AF507438-7753-43e0-B8FC-AC1667EBCBE1}">
-              <a14:hiddenEffects xmlns:a14="http://schemas.microsoft.com/office/drawing/2010/main" xmlns="">
+              <a14:hiddenEffects xmlns="" xmlns:a14="http://schemas.microsoft.com/office/drawing/2010/main">
                 <a:effectLst>
                   <a:outerShdw blurRad="63500" dist="38099" dir="2700000" algn="ctr" rotWithShape="0">
                     <a:srgbClr val="000000">
@@ -11512,6 +11513,358 @@
             <p:ph type="title"/>
           </p:nvPr>
         </p:nvSpPr>
+        <p:spPr>
+          <a:xfrm>
+            <a:off x="406400" y="700336"/>
+            <a:ext cx="3149600" cy="723900"/>
+          </a:xfrm>
+        </p:spPr>
+        <p:txBody>
+          <a:bodyPr/>
+          <a:lstStyle/>
+          <a:p>
+            <a:pPr algn="ctr"/>
+            <a:r>
+              <a:rPr lang="en-US" altLang="zh-Hans" sz="4800" dirty="0">
+                <a:latin typeface="微软雅黑" panose="020B0503020204020204" pitchFamily="34" charset="-122"/>
+                <a:ea typeface="微软雅黑" panose="020B0503020204020204" pitchFamily="34" charset="-122"/>
+              </a:rPr>
+              <a:t>TO DO</a:t>
+            </a:r>
+            <a:endParaRPr lang="zh-Hans" altLang="en-US" sz="4800" dirty="0">
+              <a:latin typeface="微软雅黑" panose="020B0503020204020204" pitchFamily="34" charset="-122"/>
+              <a:ea typeface="微软雅黑" panose="020B0503020204020204" pitchFamily="34" charset="-122"/>
+            </a:endParaRPr>
+          </a:p>
+        </p:txBody>
+      </p:sp>
+      <p:sp>
+        <p:nvSpPr>
+          <p:cNvPr id="3" name="内容占位符 2"/>
+          <p:cNvSpPr>
+            <a:spLocks noGrp="1"/>
+          </p:cNvSpPr>
+          <p:nvPr>
+            <p:ph idx="1"/>
+          </p:nvPr>
+        </p:nvSpPr>
+        <p:spPr>
+          <a:xfrm>
+            <a:off x="3797300" y="584200"/>
+            <a:ext cx="8826500" cy="8674100"/>
+          </a:xfrm>
+        </p:spPr>
+        <p:txBody>
+          <a:bodyPr/>
+          <a:lstStyle/>
+          <a:p>
+            <a:pPr marL="520700" indent="-520700">
+              <a:lnSpc>
+                <a:spcPct val="120000"/>
+              </a:lnSpc>
+              <a:spcBef>
+                <a:spcPts val="1200"/>
+              </a:spcBef>
+              <a:buClr>
+                <a:schemeClr val="tx2"/>
+              </a:buClr>
+              <a:buFont typeface="Wingdings" charset="2"/>
+              <a:buChar char=""/>
+            </a:pPr>
+            <a:r>
+              <a:rPr lang="zh-CN" altLang="en-US" sz="3600" dirty="0">
+                <a:latin typeface="微软雅黑" panose="020B0503020204020204" pitchFamily="34" charset="-122"/>
+                <a:ea typeface="微软雅黑" panose="020B0503020204020204" pitchFamily="34" charset="-122"/>
+              </a:rPr>
+              <a:t>通过</a:t>
+            </a:r>
+            <a:r>
+              <a:rPr lang="en-US" altLang="zh-Hans" sz="3600" dirty="0">
+                <a:latin typeface="微软雅黑" panose="020B0503020204020204" pitchFamily="34" charset="-122"/>
+                <a:ea typeface="微软雅黑" panose="020B0503020204020204" pitchFamily="34" charset="-122"/>
+              </a:rPr>
+              <a:t>SSH</a:t>
+            </a:r>
+            <a:r>
+              <a:rPr lang="zh-CN" altLang="en-US" sz="3600" dirty="0">
+                <a:latin typeface="微软雅黑" panose="020B0503020204020204" pitchFamily="34" charset="-122"/>
+                <a:ea typeface="微软雅黑" panose="020B0503020204020204" pitchFamily="34" charset="-122"/>
+              </a:rPr>
+              <a:t>登录</a:t>
+            </a:r>
+            <a:r>
+              <a:rPr lang="en-US" altLang="zh-Hans" sz="3600" dirty="0">
+                <a:latin typeface="微软雅黑" panose="020B0503020204020204" pitchFamily="34" charset="-122"/>
+                <a:ea typeface="微软雅黑" panose="020B0503020204020204" pitchFamily="34" charset="-122"/>
+              </a:rPr>
+              <a:t>1.2.3.4</a:t>
+            </a:r>
+          </a:p>
+          <a:p>
+            <a:pPr marL="920750" lvl="1" indent="-520700">
+              <a:spcBef>
+                <a:spcPts val="1200"/>
+              </a:spcBef>
+              <a:buClr>
+                <a:schemeClr val="tx2"/>
+              </a:buClr>
+              <a:buFont typeface="Wingdings" panose="05000000000000000000" pitchFamily="2" charset="2"/>
+              <a:buChar char="n"/>
+            </a:pPr>
+            <a:r>
+              <a:rPr lang="en-US" altLang="zh-Hans" sz="2400" dirty="0">
+                <a:latin typeface="微软雅黑" panose="020B0503020204020204" pitchFamily="34" charset="-122"/>
+                <a:ea typeface="微软雅黑" panose="020B0503020204020204" pitchFamily="34" charset="-122"/>
+              </a:rPr>
+              <a:t>username: training</a:t>
+            </a:r>
+          </a:p>
+          <a:p>
+            <a:pPr marL="920750" lvl="1" indent="-520700">
+              <a:spcBef>
+                <a:spcPts val="1200"/>
+              </a:spcBef>
+              <a:buClr>
+                <a:schemeClr val="tx2"/>
+              </a:buClr>
+              <a:buFont typeface="Wingdings" panose="05000000000000000000" pitchFamily="2" charset="2"/>
+              <a:buChar char="n"/>
+            </a:pPr>
+            <a:r>
+              <a:rPr lang="en-US" altLang="zh-Hans" sz="2400" dirty="0">
+                <a:latin typeface="微软雅黑" panose="020B0503020204020204" pitchFamily="34" charset="-122"/>
+                <a:ea typeface="微软雅黑" panose="020B0503020204020204" pitchFamily="34" charset="-122"/>
+              </a:rPr>
+              <a:t>password: training</a:t>
+            </a:r>
+            <a:endParaRPr lang="zh-Hans" altLang="en-US" sz="2400" dirty="0">
+              <a:latin typeface="微软雅黑" panose="020B0503020204020204" pitchFamily="34" charset="-122"/>
+              <a:ea typeface="微软雅黑" panose="020B0503020204020204" pitchFamily="34" charset="-122"/>
+            </a:endParaRPr>
+          </a:p>
+          <a:p>
+            <a:pPr marL="520700" indent="-520700">
+              <a:lnSpc>
+                <a:spcPct val="120000"/>
+              </a:lnSpc>
+              <a:spcBef>
+                <a:spcPts val="1200"/>
+              </a:spcBef>
+              <a:buClr>
+                <a:schemeClr val="tx2"/>
+              </a:buClr>
+              <a:buFont typeface="Wingdings" charset="2"/>
+              <a:buChar char=""/>
+            </a:pPr>
+            <a:r>
+              <a:rPr lang="zh-CN" altLang="en-US" sz="3600" dirty="0">
+                <a:latin typeface="微软雅黑" panose="020B0503020204020204" pitchFamily="34" charset="-122"/>
+                <a:ea typeface="微软雅黑" panose="020B0503020204020204" pitchFamily="34" charset="-122"/>
+              </a:rPr>
+              <a:t>进入</a:t>
+            </a:r>
+            <a:r>
+              <a:rPr lang="en-US" altLang="zh-CN" sz="3600" dirty="0">
+                <a:latin typeface="微软雅黑" panose="020B0503020204020204" pitchFamily="34" charset="-122"/>
+                <a:ea typeface="微软雅黑" panose="020B0503020204020204" pitchFamily="34" charset="-122"/>
+              </a:rPr>
+              <a:t>home</a:t>
+            </a:r>
+            <a:r>
+              <a:rPr lang="zh-CN" altLang="en-US" sz="3600" dirty="0">
+                <a:latin typeface="微软雅黑" panose="020B0503020204020204" pitchFamily="34" charset="-122"/>
+                <a:ea typeface="微软雅黑" panose="020B0503020204020204" pitchFamily="34" charset="-122"/>
+              </a:rPr>
+              <a:t>目录下自己名字对应的目录</a:t>
+            </a:r>
+            <a:endParaRPr lang="en-US" altLang="zh-CN" sz="3600" dirty="0">
+              <a:latin typeface="微软雅黑" panose="020B0503020204020204" pitchFamily="34" charset="-122"/>
+              <a:ea typeface="微软雅黑" panose="020B0503020204020204" pitchFamily="34" charset="-122"/>
+            </a:endParaRPr>
+          </a:p>
+          <a:p>
+            <a:pPr marL="520700" indent="-520700">
+              <a:lnSpc>
+                <a:spcPct val="120000"/>
+              </a:lnSpc>
+              <a:spcBef>
+                <a:spcPts val="1200"/>
+              </a:spcBef>
+              <a:buClr>
+                <a:schemeClr val="tx2"/>
+              </a:buClr>
+              <a:buFont typeface="Wingdings" charset="2"/>
+              <a:buChar char=""/>
+            </a:pPr>
+            <a:r>
+              <a:rPr lang="zh-CN" altLang="en-US" sz="3600" dirty="0">
+                <a:latin typeface="微软雅黑" panose="020B0503020204020204" pitchFamily="34" charset="-122"/>
+                <a:ea typeface="微软雅黑" panose="020B0503020204020204" pitchFamily="34" charset="-122"/>
+              </a:rPr>
+              <a:t>完成题目需求并运行测试</a:t>
+            </a:r>
+            <a:endParaRPr lang="en-US" altLang="zh-CN" sz="3600" dirty="0">
+              <a:latin typeface="微软雅黑" panose="020B0503020204020204" pitchFamily="34" charset="-122"/>
+              <a:ea typeface="微软雅黑" panose="020B0503020204020204" pitchFamily="34" charset="-122"/>
+            </a:endParaRPr>
+          </a:p>
+          <a:p>
+            <a:pPr marL="920750" lvl="1" indent="-520700">
+              <a:spcBef>
+                <a:spcPts val="1200"/>
+              </a:spcBef>
+              <a:buClr>
+                <a:schemeClr val="tx2"/>
+              </a:buClr>
+              <a:buFont typeface="Wingdings" panose="05000000000000000000" pitchFamily="2" charset="2"/>
+              <a:buChar char="n"/>
+            </a:pPr>
+            <a:r>
+              <a:rPr lang="zh-CN" altLang="en-US" sz="2400" dirty="0">
+                <a:latin typeface="微软雅黑" panose="020B0503020204020204" pitchFamily="34" charset="-122"/>
+                <a:ea typeface="微软雅黑" panose="020B0503020204020204" pitchFamily="34" charset="-122"/>
+              </a:rPr>
+              <a:t>编译</a:t>
+            </a:r>
+            <a:r>
+              <a:rPr lang="en-US" altLang="zh-CN" sz="2400" dirty="0">
+                <a:latin typeface="微软雅黑" panose="020B0503020204020204" pitchFamily="34" charset="-122"/>
+                <a:ea typeface="微软雅黑" panose="020B0503020204020204" pitchFamily="34" charset="-122"/>
+              </a:rPr>
+              <a:t>: make all</a:t>
+            </a:r>
+          </a:p>
+          <a:p>
+            <a:pPr marL="920750" lvl="1" indent="-520700">
+              <a:spcBef>
+                <a:spcPts val="1200"/>
+              </a:spcBef>
+              <a:buClr>
+                <a:schemeClr val="tx2"/>
+              </a:buClr>
+              <a:buFont typeface="Wingdings" panose="05000000000000000000" pitchFamily="2" charset="2"/>
+              <a:buChar char="n"/>
+            </a:pPr>
+            <a:r>
+              <a:rPr lang="zh-CN" altLang="en-US" sz="2400" dirty="0">
+                <a:latin typeface="微软雅黑" panose="020B0503020204020204" pitchFamily="34" charset="-122"/>
+                <a:ea typeface="微软雅黑" panose="020B0503020204020204" pitchFamily="34" charset="-122"/>
+              </a:rPr>
+              <a:t>测试</a:t>
+            </a:r>
+            <a:r>
+              <a:rPr lang="en-US" altLang="zh-CN" sz="2400" dirty="0">
+                <a:latin typeface="微软雅黑" panose="020B0503020204020204" pitchFamily="34" charset="-122"/>
+                <a:ea typeface="微软雅黑" panose="020B0503020204020204" pitchFamily="34" charset="-122"/>
+              </a:rPr>
+              <a:t>: make test</a:t>
+            </a:r>
+          </a:p>
+        </p:txBody>
+      </p:sp>
+      <p:sp>
+        <p:nvSpPr>
+          <p:cNvPr id="4" name="灯片编号占位符 3"/>
+          <p:cNvSpPr>
+            <a:spLocks noGrp="1"/>
+          </p:cNvSpPr>
+          <p:nvPr>
+            <p:ph type="sldNum" sz="quarter" idx="10"/>
+          </p:nvPr>
+        </p:nvSpPr>
+        <p:spPr/>
+        <p:txBody>
+          <a:bodyPr/>
+          <a:lstStyle/>
+          <a:p>
+            <a:pPr>
+              <a:defRPr/>
+            </a:pPr>
+            <a:fld id="{6BD71149-C6B6-DA41-AB69-4C8E97C931F0}" type="slidenum">
+              <a:rPr lang="en-US" smtClean="0">
+                <a:latin typeface="微软雅黑" panose="020B0503020204020204" pitchFamily="34" charset="-122"/>
+                <a:ea typeface="微软雅黑" panose="020B0503020204020204" pitchFamily="34" charset="-122"/>
+              </a:rPr>
+              <a:pPr>
+                <a:defRPr/>
+              </a:pPr>
+              <a:t>11</a:t>
+            </a:fld>
+            <a:endParaRPr lang="en-US">
+              <a:latin typeface="微软雅黑" panose="020B0503020204020204" pitchFamily="34" charset="-122"/>
+              <a:ea typeface="微软雅黑" panose="020B0503020204020204" pitchFamily="34" charset="-122"/>
+            </a:endParaRPr>
+          </a:p>
+        </p:txBody>
+      </p:sp>
+      <p:pic>
+        <p:nvPicPr>
+          <p:cNvPr id="5" name="Glyph Inventory 1_go-self-service.jpg"/>
+          <p:cNvPicPr/>
+          <p:nvPr/>
+        </p:nvPicPr>
+        <p:blipFill>
+          <a:blip r:embed="rId2">
+            <a:extLst/>
+          </a:blip>
+          <a:stretch>
+            <a:fillRect/>
+          </a:stretch>
+        </p:blipFill>
+        <p:spPr>
+          <a:xfrm>
+            <a:off x="385233" y="1189194"/>
+            <a:ext cx="3039534" cy="3039534"/>
+          </a:xfrm>
+          <a:prstGeom prst="rect">
+            <a:avLst/>
+          </a:prstGeom>
+          <a:ln w="12700">
+            <a:miter lim="400000"/>
+          </a:ln>
+        </p:spPr>
+      </p:pic>
+    </p:spTree>
+    <p:extLst>
+      <p:ext uri="{BB962C8B-B14F-4D97-AF65-F5344CB8AC3E}">
+        <p14:creationId xmlns:p14="http://schemas.microsoft.com/office/powerpoint/2010/main" val="3899917608"/>
+      </p:ext>
+    </p:extLst>
+  </p:cSld>
+  <p:clrMapOvr>
+    <a:masterClrMapping/>
+  </p:clrMapOvr>
+  <p:transition/>
+</p:sld>
+</file>
+
+<file path=ppt/slides/slide12.xml><?xml version="1.0" encoding="utf-8"?>
+<p:sld xmlns:a="http://schemas.openxmlformats.org/drawingml/2006/main" xmlns:r="http://schemas.openxmlformats.org/officeDocument/2006/relationships" xmlns:p="http://schemas.openxmlformats.org/presentationml/2006/main">
+  <p:cSld>
+    <p:spTree>
+      <p:nvGrpSpPr>
+        <p:cNvPr id="1" name=""/>
+        <p:cNvGrpSpPr/>
+        <p:nvPr/>
+      </p:nvGrpSpPr>
+      <p:grpSpPr>
+        <a:xfrm>
+          <a:off x="0" y="0"/>
+          <a:ext cx="0" cy="0"/>
+          <a:chOff x="0" y="0"/>
+          <a:chExt cx="0" cy="0"/>
+        </a:xfrm>
+      </p:grpSpPr>
+      <p:sp>
+        <p:nvSpPr>
+          <p:cNvPr id="2" name="标题 1"/>
+          <p:cNvSpPr>
+            <a:spLocks noGrp="1"/>
+          </p:cNvSpPr>
+          <p:nvPr>
+            <p:ph type="title"/>
+          </p:nvPr>
+        </p:nvSpPr>
         <p:spPr/>
         <p:txBody>
           <a:bodyPr/>
@@ -11575,7 +11928,7 @@
               <a:pPr>
                 <a:defRPr/>
               </a:pPr>
-              <a:t>11</a:t>
+              <a:t>12</a:t>
             </a:fld>
             <a:endParaRPr lang="en-US"/>
           </a:p>
@@ -11595,7 +11948,7 @@
 </p:sld>
 </file>
 
-<file path=ppt/slides/slide12.xml><?xml version="1.0" encoding="utf-8"?>
+<file path=ppt/slides/slide13.xml><?xml version="1.0" encoding="utf-8"?>
 <p:sld xmlns:a="http://schemas.openxmlformats.org/drawingml/2006/main" xmlns:r="http://schemas.openxmlformats.org/officeDocument/2006/relationships" xmlns:p="http://schemas.openxmlformats.org/presentationml/2006/main">
   <p:cSld>
     <p:spTree>
@@ -11657,7 +12010,12 @@
             <p:ph idx="1"/>
           </p:nvPr>
         </p:nvSpPr>
-        <p:spPr/>
+        <p:spPr>
+          <a:xfrm>
+            <a:off x="3797300" y="575704"/>
+            <a:ext cx="8826500" cy="8674100"/>
+          </a:xfrm>
+        </p:spPr>
         <p:txBody>
           <a:bodyPr/>
           <a:lstStyle/>
@@ -11866,7 +12224,7 @@
               <a:pPr>
                 <a:defRPr/>
               </a:pPr>
-              <a:t>12</a:t>
+              <a:t>13</a:t>
             </a:fld>
             <a:endParaRPr lang="en-US">
               <a:latin typeface="微软雅黑" panose="020B0503020204020204" pitchFamily="34" charset="-122"/>
@@ -11916,7 +12274,7 @@
 </p:sld>
 </file>
 
-<file path=ppt/slides/slide13.xml><?xml version="1.0" encoding="utf-8"?>
+<file path=ppt/slides/slide14.xml><?xml version="1.0" encoding="utf-8"?>
 <p:sld xmlns:a="http://schemas.openxmlformats.org/drawingml/2006/main" xmlns:r="http://schemas.openxmlformats.org/officeDocument/2006/relationships" xmlns:p="http://schemas.openxmlformats.org/presentationml/2006/main">
   <p:cSld>
     <p:spTree>
@@ -11933,6 +12291,30 @@
           <a:chExt cx="0" cy="0"/>
         </a:xfrm>
       </p:grpSpPr>
+      <p:pic>
+        <p:nvPicPr>
+          <p:cNvPr id="5" name="图片 4"/>
+          <p:cNvPicPr>
+            <a:picLocks noChangeAspect="1"/>
+          </p:cNvPicPr>
+          <p:nvPr/>
+        </p:nvPicPr>
+        <p:blipFill>
+          <a:blip r:embed="rId2"/>
+          <a:stretch>
+            <a:fillRect/>
+          </a:stretch>
+        </p:blipFill>
+        <p:spPr>
+          <a:xfrm>
+            <a:off x="5974486" y="5542874"/>
+            <a:ext cx="6542857" cy="3638095"/>
+          </a:xfrm>
+          <a:prstGeom prst="rect">
+            <a:avLst/>
+          </a:prstGeom>
+        </p:spPr>
+      </p:pic>
       <p:sp>
         <p:nvSpPr>
           <p:cNvPr id="2" name="标题 1"/>
@@ -11989,7 +12371,7 @@
               <a:pPr>
                 <a:defRPr/>
               </a:pPr>
-              <a:t>13</a:t>
+              <a:t>14</a:t>
             </a:fld>
             <a:endParaRPr lang="en-US">
               <a:latin typeface="微软雅黑" panose="020B0503020204020204" pitchFamily="34" charset="-122"/>
@@ -12001,30 +12383,6 @@
       <p:pic>
         <p:nvPicPr>
           <p:cNvPr id="13" name="图片 12"/>
-          <p:cNvPicPr>
-            <a:picLocks noChangeAspect="1"/>
-          </p:cNvPicPr>
-          <p:nvPr/>
-        </p:nvPicPr>
-        <p:blipFill>
-          <a:blip r:embed="rId2"/>
-          <a:stretch>
-            <a:fillRect/>
-          </a:stretch>
-        </p:blipFill>
-        <p:spPr>
-          <a:xfrm>
-            <a:off x="381000" y="1391118"/>
-            <a:ext cx="6723809" cy="3752381"/>
-          </a:xfrm>
-          <a:prstGeom prst="rect">
-            <a:avLst/>
-          </a:prstGeom>
-        </p:spPr>
-      </p:pic>
-      <p:pic>
-        <p:nvPicPr>
-          <p:cNvPr id="14" name="图片 13"/>
           <p:cNvPicPr>
             <a:picLocks noChangeAspect="1"/>
           </p:cNvPicPr>
@@ -12038,8 +12396,8 @@
         </p:blipFill>
         <p:spPr>
           <a:xfrm>
-            <a:off x="6138086" y="5544014"/>
-            <a:ext cx="6485714" cy="3714286"/>
+            <a:off x="381000" y="1391118"/>
+            <a:ext cx="6723809" cy="3752381"/>
           </a:xfrm>
           <a:prstGeom prst="rect">
             <a:avLst/>
@@ -12067,7 +12425,7 @@
           </a:ln>
           <a:extLst>
             <a:ext uri="{91240B29-F687-4f45-9708-019B960494DF}">
-              <a14:hiddenLine xmlns:a14="http://schemas.microsoft.com/office/drawing/2010/main" xmlns="" w="25400" cap="flat" cmpd="sng" algn="ctr">
+              <a14:hiddenLine xmlns="" xmlns:a14="http://schemas.microsoft.com/office/drawing/2010/main" w="25400" cap="flat" cmpd="sng" algn="ctr">
                 <a:solidFill>
                   <a:srgbClr val="000000"/>
                 </a:solidFill>
@@ -12078,7 +12436,7 @@
               </a14:hiddenLine>
             </a:ext>
             <a:ext uri="{AF507438-7753-43e0-B8FC-AC1667EBCBE1}">
-              <a14:hiddenEffects xmlns:a14="http://schemas.microsoft.com/office/drawing/2010/main" xmlns="">
+              <a14:hiddenEffects xmlns="" xmlns:a14="http://schemas.microsoft.com/office/drawing/2010/main">
                 <a:effectLst>
                   <a:outerShdw blurRad="63500" dist="38099" dir="2700000" algn="ctr" rotWithShape="0">
                     <a:schemeClr val="bg2">
@@ -12126,7 +12484,7 @@
           </a:ln>
           <a:extLst>
             <a:ext uri="{91240B29-F687-4f45-9708-019B960494DF}">
-              <a14:hiddenLine xmlns:a14="http://schemas.microsoft.com/office/drawing/2010/main" xmlns="" w="25400" cap="flat" cmpd="sng" algn="ctr">
+              <a14:hiddenLine xmlns="" xmlns:a14="http://schemas.microsoft.com/office/drawing/2010/main" w="25400" cap="flat" cmpd="sng" algn="ctr">
                 <a:solidFill>
                   <a:srgbClr val="000000"/>
                 </a:solidFill>
@@ -12137,7 +12495,7 @@
               </a14:hiddenLine>
             </a:ext>
             <a:ext uri="{AF507438-7753-43e0-B8FC-AC1667EBCBE1}">
-              <a14:hiddenEffects xmlns:a14="http://schemas.microsoft.com/office/drawing/2010/main" xmlns="">
+              <a14:hiddenEffects xmlns="" xmlns:a14="http://schemas.microsoft.com/office/drawing/2010/main">
                 <a:effectLst>
                   <a:outerShdw blurRad="63500" dist="38099" dir="2700000" algn="ctr" rotWithShape="0">
                     <a:schemeClr val="bg2">
@@ -12186,7 +12544,7 @@
           </a:ln>
           <a:extLst>
             <a:ext uri="{91240B29-F687-4f45-9708-019B960494DF}">
-              <a14:hiddenLine xmlns:a14="http://schemas.microsoft.com/office/drawing/2010/main" xmlns="" w="25400" cap="flat" cmpd="sng" algn="ctr">
+              <a14:hiddenLine xmlns="" xmlns:a14="http://schemas.microsoft.com/office/drawing/2010/main" w="25400" cap="flat" cmpd="sng" algn="ctr">
                 <a:solidFill>
                   <a:srgbClr val="000000"/>
                 </a:solidFill>
@@ -12197,7 +12555,7 @@
               </a14:hiddenLine>
             </a:ext>
             <a:ext uri="{AF507438-7753-43e0-B8FC-AC1667EBCBE1}">
-              <a14:hiddenEffects xmlns:a14="http://schemas.microsoft.com/office/drawing/2010/main" xmlns="">
+              <a14:hiddenEffects xmlns="" xmlns:a14="http://schemas.microsoft.com/office/drawing/2010/main">
                 <a:effectLst>
                   <a:outerShdw blurRad="63500" dist="38099" dir="2700000" algn="ctr" rotWithShape="0">
                     <a:schemeClr val="bg2">
@@ -12339,7 +12697,7 @@
 </p:sld>
 </file>
 
-<file path=ppt/slides/slide14.xml><?xml version="1.0" encoding="utf-8"?>
+<file path=ppt/slides/slide15.xml><?xml version="1.0" encoding="utf-8"?>
 <p:sld xmlns:a="http://schemas.openxmlformats.org/drawingml/2006/main" xmlns:r="http://schemas.openxmlformats.org/officeDocument/2006/relationships" xmlns:p="http://schemas.openxmlformats.org/presentationml/2006/main">
   <p:cSld>
     <p:spTree>
@@ -12442,7 +12800,7 @@
               <a:pPr>
                 <a:defRPr/>
               </a:pPr>
-              <a:t>14</a:t>
+              <a:t>15</a:t>
             </a:fld>
             <a:endParaRPr lang="en-US"/>
           </a:p>
@@ -12926,7 +13284,7 @@
 </p:sld>
 </file>
 
-<file path=ppt/slides/slide15.xml><?xml version="1.0" encoding="utf-8"?>
+<file path=ppt/slides/slide16.xml><?xml version="1.0" encoding="utf-8"?>
 <p:sld xmlns:a="http://schemas.openxmlformats.org/drawingml/2006/main" xmlns:r="http://schemas.openxmlformats.org/officeDocument/2006/relationships" xmlns:p="http://schemas.openxmlformats.org/presentationml/2006/main">
   <p:cSld>
     <p:spTree>
@@ -13196,7 +13554,7 @@
               <a:pPr>
                 <a:defRPr/>
               </a:pPr>
-              <a:t>15</a:t>
+              <a:t>16</a:t>
             </a:fld>
             <a:endParaRPr lang="en-US">
               <a:latin typeface="微软雅黑" panose="020B0503020204020204" pitchFamily="34" charset="-122"/>
@@ -13243,7 +13601,7 @@
 </p:sld>
 </file>
 
-<file path=ppt/slides/slide16.xml><?xml version="1.0" encoding="utf-8"?>
+<file path=ppt/slides/slide17.xml><?xml version="1.0" encoding="utf-8"?>
 <p:sld xmlns:a="http://schemas.openxmlformats.org/drawingml/2006/main" xmlns:r="http://schemas.openxmlformats.org/officeDocument/2006/relationships" xmlns:p="http://schemas.openxmlformats.org/presentationml/2006/main">
   <p:cSld>
     <p:spTree>
@@ -13316,7 +13674,7 @@
               <a:pPr>
                 <a:defRPr/>
               </a:pPr>
-              <a:t>16</a:t>
+              <a:t>17</a:t>
             </a:fld>
             <a:endParaRPr lang="en-US">
               <a:latin typeface="微软雅黑" panose="020B0503020204020204" pitchFamily="34" charset="-122"/>
@@ -13384,7 +13742,7 @@
             </a:ln>
             <a:extLst>
               <a:ext uri="{91240B29-F687-4f45-9708-019B960494DF}">
-                <a14:hiddenLine xmlns:a14="http://schemas.microsoft.com/office/drawing/2010/main" xmlns="" w="25400" cap="flat" cmpd="sng" algn="ctr">
+                <a14:hiddenLine xmlns="" xmlns:a14="http://schemas.microsoft.com/office/drawing/2010/main" w="25400" cap="flat" cmpd="sng" algn="ctr">
                   <a:solidFill>
                     <a:srgbClr val="000000"/>
                   </a:solidFill>
@@ -13395,7 +13753,7 @@
                 </a14:hiddenLine>
               </a:ext>
               <a:ext uri="{AF507438-7753-43e0-B8FC-AC1667EBCBE1}">
-                <a14:hiddenEffects xmlns:a14="http://schemas.microsoft.com/office/drawing/2010/main" xmlns="">
+                <a14:hiddenEffects xmlns="" xmlns:a14="http://schemas.microsoft.com/office/drawing/2010/main">
                   <a:effectLst>
                     <a:outerShdw blurRad="63500" dist="38099" dir="2700000" algn="ctr" rotWithShape="0">
                       <a:schemeClr val="bg2">
@@ -13443,7 +13801,7 @@
             </a:ln>
             <a:extLst>
               <a:ext uri="{91240B29-F687-4f45-9708-019B960494DF}">
-                <a14:hiddenLine xmlns:a14="http://schemas.microsoft.com/office/drawing/2010/main" xmlns="" w="25400" cap="flat" cmpd="sng" algn="ctr">
+                <a14:hiddenLine xmlns="" xmlns:a14="http://schemas.microsoft.com/office/drawing/2010/main" w="25400" cap="flat" cmpd="sng" algn="ctr">
                   <a:solidFill>
                     <a:srgbClr val="000000"/>
                   </a:solidFill>
@@ -13454,7 +13812,7 @@
                 </a14:hiddenLine>
               </a:ext>
               <a:ext uri="{AF507438-7753-43e0-B8FC-AC1667EBCBE1}">
-                <a14:hiddenEffects xmlns:a14="http://schemas.microsoft.com/office/drawing/2010/main" xmlns="">
+                <a14:hiddenEffects xmlns="" xmlns:a14="http://schemas.microsoft.com/office/drawing/2010/main">
                   <a:effectLst>
                     <a:outerShdw blurRad="63500" dist="38099" dir="2700000" algn="ctr" rotWithShape="0">
                       <a:schemeClr val="bg2">
@@ -13555,7 +13913,7 @@
               </a:ln>
               <a:extLst>
                 <a:ext uri="{91240B29-F687-4f45-9708-019B960494DF}">
-                  <a14:hiddenLine xmlns:a14="http://schemas.microsoft.com/office/drawing/2010/main" xmlns="" w="25400" cap="flat" cmpd="sng" algn="ctr">
+                  <a14:hiddenLine xmlns="" xmlns:a14="http://schemas.microsoft.com/office/drawing/2010/main" w="25400" cap="flat" cmpd="sng" algn="ctr">
                     <a:solidFill>
                       <a:srgbClr val="000000"/>
                     </a:solidFill>
@@ -13566,7 +13924,7 @@
                   </a14:hiddenLine>
                 </a:ext>
                 <a:ext uri="{AF507438-7753-43e0-B8FC-AC1667EBCBE1}">
-                  <a14:hiddenEffects xmlns:a14="http://schemas.microsoft.com/office/drawing/2010/main" xmlns="">
+                  <a14:hiddenEffects xmlns="" xmlns:a14="http://schemas.microsoft.com/office/drawing/2010/main">
                     <a:effectLst>
                       <a:outerShdw blurRad="63500" dist="38099" dir="2700000" algn="ctr" rotWithShape="0">
                         <a:schemeClr val="bg2">
@@ -13614,7 +13972,7 @@
               </a:ln>
               <a:extLst>
                 <a:ext uri="{91240B29-F687-4f45-9708-019B960494DF}">
-                  <a14:hiddenLine xmlns:a14="http://schemas.microsoft.com/office/drawing/2010/main" xmlns="" w="25400" cap="flat" cmpd="sng" algn="ctr">
+                  <a14:hiddenLine xmlns="" xmlns:a14="http://schemas.microsoft.com/office/drawing/2010/main" w="25400" cap="flat" cmpd="sng" algn="ctr">
                     <a:solidFill>
                       <a:srgbClr val="000000"/>
                     </a:solidFill>
@@ -13625,7 +13983,7 @@
                   </a14:hiddenLine>
                 </a:ext>
                 <a:ext uri="{AF507438-7753-43e0-B8FC-AC1667EBCBE1}">
-                  <a14:hiddenEffects xmlns:a14="http://schemas.microsoft.com/office/drawing/2010/main" xmlns="">
+                  <a14:hiddenEffects xmlns="" xmlns:a14="http://schemas.microsoft.com/office/drawing/2010/main">
                     <a:effectLst>
                       <a:outerShdw blurRad="63500" dist="38099" dir="2700000" algn="ctr" rotWithShape="0">
                         <a:schemeClr val="bg2">
@@ -13723,7 +14081,7 @@
 </p:sld>
 </file>
 
-<file path=ppt/slides/slide17.xml><?xml version="1.0" encoding="utf-8"?>
+<file path=ppt/slides/slide18.xml><?xml version="1.0" encoding="utf-8"?>
 <p:sld xmlns:a="http://schemas.openxmlformats.org/drawingml/2006/main" xmlns:r="http://schemas.openxmlformats.org/officeDocument/2006/relationships" xmlns:p="http://schemas.openxmlformats.org/presentationml/2006/main">
   <p:cSld>
     <p:spTree>
@@ -13820,7 +14178,7 @@
 </p:sld>
 </file>
 
-<file path=ppt/slides/slide18.xml><?xml version="1.0" encoding="utf-8"?>
+<file path=ppt/slides/slide19.xml><?xml version="1.0" encoding="utf-8"?>
 <p:sld xmlns:a="http://schemas.openxmlformats.org/drawingml/2006/main" xmlns:r="http://schemas.openxmlformats.org/officeDocument/2006/relationships" xmlns:p="http://schemas.openxmlformats.org/presentationml/2006/main">
   <p:cSld>
     <p:spTree>
@@ -13893,7 +14251,7 @@
               <a:pPr>
                 <a:defRPr/>
               </a:pPr>
-              <a:t>18</a:t>
+              <a:t>19</a:t>
             </a:fld>
             <a:endParaRPr lang="en-US">
               <a:latin typeface="微软雅黑" panose="020B0503020204020204" pitchFamily="34" charset="-122"/>
@@ -14270,7 +14628,112 @@
 </p:sld>
 </file>
 
-<file path=ppt/slides/slide19.xml><?xml version="1.0" encoding="utf-8"?>
+<file path=ppt/slides/slide2.xml><?xml version="1.0" encoding="utf-8"?>
+<p:sld xmlns:a="http://schemas.openxmlformats.org/drawingml/2006/main" xmlns:r="http://schemas.openxmlformats.org/officeDocument/2006/relationships" xmlns:p="http://schemas.openxmlformats.org/presentationml/2006/main">
+  <p:cSld>
+    <p:spTree>
+      <p:nvGrpSpPr>
+        <p:cNvPr id="1" name=""/>
+        <p:cNvGrpSpPr/>
+        <p:nvPr/>
+      </p:nvGrpSpPr>
+      <p:grpSpPr>
+        <a:xfrm>
+          <a:off x="0" y="0"/>
+          <a:ext cx="0" cy="0"/>
+          <a:chOff x="0" y="0"/>
+          <a:chExt cx="0" cy="0"/>
+        </a:xfrm>
+      </p:grpSpPr>
+      <p:sp>
+        <p:nvSpPr>
+          <p:cNvPr id="12289" name="Rectangle 1"/>
+          <p:cNvSpPr>
+            <a:spLocks noGrp="1" noChangeArrowheads="1"/>
+          </p:cNvSpPr>
+          <p:nvPr>
+            <p:ph type="title"/>
+          </p:nvPr>
+        </p:nvSpPr>
+        <p:spPr/>
+        <p:txBody>
+          <a:bodyPr/>
+          <a:lstStyle/>
+          <a:p>
+            <a:pPr>
+              <a:defRPr/>
+            </a:pPr>
+            <a:r>
+              <a:rPr lang="en-US" dirty="0"/>
+              <a:t>Unit Testing</a:t>
+            </a:r>
+          </a:p>
+        </p:txBody>
+      </p:sp>
+      <p:sp>
+        <p:nvSpPr>
+          <p:cNvPr id="12290" name="Rectangle 2"/>
+          <p:cNvSpPr>
+            <a:spLocks noGrp="1" noChangeArrowheads="1"/>
+          </p:cNvSpPr>
+          <p:nvPr>
+            <p:ph idx="1"/>
+          </p:nvPr>
+        </p:nvSpPr>
+        <p:spPr/>
+        <p:txBody>
+          <a:bodyPr/>
+          <a:lstStyle/>
+          <a:p>
+            <a:pPr marL="0" indent="0" eaLnBrk="1" hangingPunct="1">
+              <a:defRPr/>
+            </a:pPr>
+            <a:r>
+              <a:rPr lang="en-US" dirty="0"/>
+              <a:t>With Google Test</a:t>
+            </a:r>
+          </a:p>
+        </p:txBody>
+      </p:sp>
+      <p:sp>
+        <p:nvSpPr>
+          <p:cNvPr id="4" name="Slide Number Placeholder 3"/>
+          <p:cNvSpPr>
+            <a:spLocks noGrp="1"/>
+          </p:cNvSpPr>
+          <p:nvPr>
+            <p:ph type="sldNum" sz="quarter" idx="10"/>
+          </p:nvPr>
+        </p:nvSpPr>
+        <p:spPr/>
+        <p:txBody>
+          <a:bodyPr/>
+          <a:lstStyle/>
+          <a:p>
+            <a:pPr>
+              <a:defRPr/>
+            </a:pPr>
+            <a:fld id="{FF174A22-F644-8D40-AF6E-ACD99327719B}" type="slidenum">
+              <a:rPr lang="en-US"/>
+              <a:pPr>
+                <a:defRPr/>
+              </a:pPr>
+              <a:t>2</a:t>
+            </a:fld>
+            <a:endParaRPr lang="en-US"/>
+          </a:p>
+        </p:txBody>
+      </p:sp>
+    </p:spTree>
+  </p:cSld>
+  <p:clrMapOvr>
+    <a:masterClrMapping/>
+  </p:clrMapOvr>
+  <p:transition/>
+</p:sld>
+</file>
+
+<file path=ppt/slides/slide20.xml><?xml version="1.0" encoding="utf-8"?>
 <p:sld xmlns:a="http://schemas.openxmlformats.org/drawingml/2006/main" xmlns:r="http://schemas.openxmlformats.org/officeDocument/2006/relationships" xmlns:p="http://schemas.openxmlformats.org/presentationml/2006/main">
   <p:cSld>
     <p:spTree>
@@ -14343,7 +14806,7 @@
               <a:pPr>
                 <a:defRPr/>
               </a:pPr>
-              <a:t>19</a:t>
+              <a:t>20</a:t>
             </a:fld>
             <a:endParaRPr lang="en-US">
               <a:latin typeface="微软雅黑" panose="020B0503020204020204" pitchFamily="34" charset="-122"/>
@@ -14720,112 +15183,7 @@
 </p:sld>
 </file>
 
-<file path=ppt/slides/slide2.xml><?xml version="1.0" encoding="utf-8"?>
-<p:sld xmlns:a="http://schemas.openxmlformats.org/drawingml/2006/main" xmlns:r="http://schemas.openxmlformats.org/officeDocument/2006/relationships" xmlns:p="http://schemas.openxmlformats.org/presentationml/2006/main">
-  <p:cSld>
-    <p:spTree>
-      <p:nvGrpSpPr>
-        <p:cNvPr id="1" name=""/>
-        <p:cNvGrpSpPr/>
-        <p:nvPr/>
-      </p:nvGrpSpPr>
-      <p:grpSpPr>
-        <a:xfrm>
-          <a:off x="0" y="0"/>
-          <a:ext cx="0" cy="0"/>
-          <a:chOff x="0" y="0"/>
-          <a:chExt cx="0" cy="0"/>
-        </a:xfrm>
-      </p:grpSpPr>
-      <p:sp>
-        <p:nvSpPr>
-          <p:cNvPr id="12289" name="Rectangle 1"/>
-          <p:cNvSpPr>
-            <a:spLocks noGrp="1" noChangeArrowheads="1"/>
-          </p:cNvSpPr>
-          <p:nvPr>
-            <p:ph type="title"/>
-          </p:nvPr>
-        </p:nvSpPr>
-        <p:spPr/>
-        <p:txBody>
-          <a:bodyPr/>
-          <a:lstStyle/>
-          <a:p>
-            <a:pPr>
-              <a:defRPr/>
-            </a:pPr>
-            <a:r>
-              <a:rPr lang="en-US" dirty="0"/>
-              <a:t>Unit Testing</a:t>
-            </a:r>
-          </a:p>
-        </p:txBody>
-      </p:sp>
-      <p:sp>
-        <p:nvSpPr>
-          <p:cNvPr id="12290" name="Rectangle 2"/>
-          <p:cNvSpPr>
-            <a:spLocks noGrp="1" noChangeArrowheads="1"/>
-          </p:cNvSpPr>
-          <p:nvPr>
-            <p:ph idx="1"/>
-          </p:nvPr>
-        </p:nvSpPr>
-        <p:spPr/>
-        <p:txBody>
-          <a:bodyPr/>
-          <a:lstStyle/>
-          <a:p>
-            <a:pPr marL="0" indent="0" eaLnBrk="1" hangingPunct="1">
-              <a:defRPr/>
-            </a:pPr>
-            <a:r>
-              <a:rPr lang="en-US" dirty="0"/>
-              <a:t>With Google Test</a:t>
-            </a:r>
-          </a:p>
-        </p:txBody>
-      </p:sp>
-      <p:sp>
-        <p:nvSpPr>
-          <p:cNvPr id="4" name="Slide Number Placeholder 3"/>
-          <p:cNvSpPr>
-            <a:spLocks noGrp="1"/>
-          </p:cNvSpPr>
-          <p:nvPr>
-            <p:ph type="sldNum" sz="quarter" idx="10"/>
-          </p:nvPr>
-        </p:nvSpPr>
-        <p:spPr/>
-        <p:txBody>
-          <a:bodyPr/>
-          <a:lstStyle/>
-          <a:p>
-            <a:pPr>
-              <a:defRPr/>
-            </a:pPr>
-            <a:fld id="{FF174A22-F644-8D40-AF6E-ACD99327719B}" type="slidenum">
-              <a:rPr lang="en-US"/>
-              <a:pPr>
-                <a:defRPr/>
-              </a:pPr>
-              <a:t>2</a:t>
-            </a:fld>
-            <a:endParaRPr lang="en-US"/>
-          </a:p>
-        </p:txBody>
-      </p:sp>
-    </p:spTree>
-  </p:cSld>
-  <p:clrMapOvr>
-    <a:masterClrMapping/>
-  </p:clrMapOvr>
-  <p:transition/>
-</p:sld>
-</file>
-
-<file path=ppt/slides/slide20.xml><?xml version="1.0" encoding="utf-8"?>
+<file path=ppt/slides/slide21.xml><?xml version="1.0" encoding="utf-8"?>
 <p:sld xmlns:a="http://schemas.openxmlformats.org/drawingml/2006/main" xmlns:r="http://schemas.openxmlformats.org/officeDocument/2006/relationships" xmlns:p="http://schemas.openxmlformats.org/presentationml/2006/main">
   <p:cSld>
     <p:spTree>
@@ -14939,7 +15297,7 @@
               <a:pPr>
                 <a:defRPr/>
               </a:pPr>
-              <a:t>20</a:t>
+              <a:t>21</a:t>
             </a:fld>
             <a:endParaRPr lang="en-US">
               <a:latin typeface="微软雅黑" panose="020B0503020204020204" pitchFamily="34" charset="-122"/>
@@ -15187,7 +15545,7 @@
 </p:sld>
 </file>
 
-<file path=ppt/slides/slide21.xml><?xml version="1.0" encoding="utf-8"?>
+<file path=ppt/slides/slide22.xml><?xml version="1.0" encoding="utf-8"?>
 <p:sld xmlns:a="http://schemas.openxmlformats.org/drawingml/2006/main" xmlns:r="http://schemas.openxmlformats.org/officeDocument/2006/relationships" xmlns:p="http://schemas.openxmlformats.org/presentationml/2006/main">
   <p:cSld>
     <p:spTree>
@@ -15230,7 +15588,7 @@
                 <a:latin typeface="微软雅黑" panose="020B0503020204020204" pitchFamily="34" charset="-122"/>
                 <a:ea typeface="微软雅黑" panose="020B0503020204020204" pitchFamily="34" charset="-122"/>
               </a:rPr>
-              <a:t>TO DO</a:t>
+              <a:t>EXERCISE</a:t>
             </a:r>
             <a:endParaRPr lang="zh-Hans" altLang="en-US" sz="4800" dirty="0">
               <a:latin typeface="微软雅黑" panose="020B0503020204020204" pitchFamily="34" charset="-122"/>
@@ -15249,27 +15607,15 @@
             <p:ph idx="1"/>
           </p:nvPr>
         </p:nvSpPr>
-        <p:spPr/>
+        <p:spPr>
+          <a:xfrm>
+            <a:off x="3797300" y="584200"/>
+            <a:ext cx="8826500" cy="8674100"/>
+          </a:xfrm>
+        </p:spPr>
         <p:txBody>
           <a:bodyPr/>
           <a:lstStyle/>
-          <a:p>
-            <a:pPr marL="0" indent="0">
-              <a:lnSpc>
-                <a:spcPct val="120000"/>
-              </a:lnSpc>
-              <a:spcBef>
-                <a:spcPts val="1200"/>
-              </a:spcBef>
-              <a:buClr>
-                <a:schemeClr val="tx2"/>
-              </a:buClr>
-            </a:pPr>
-            <a:endParaRPr lang="zh-Hans" altLang="en-US" sz="3600" dirty="0">
-              <a:latin typeface="微软雅黑" panose="020B0503020204020204" pitchFamily="34" charset="-122"/>
-              <a:ea typeface="微软雅黑" panose="020B0503020204020204" pitchFamily="34" charset="-122"/>
-            </a:endParaRPr>
-          </a:p>
           <a:p>
             <a:pPr marL="520700" indent="-520700">
               <a:lnSpc>
@@ -15406,7 +15752,7 @@
               <a:pPr>
                 <a:defRPr/>
               </a:pPr>
-              <a:t>21</a:t>
+              <a:t>22</a:t>
             </a:fld>
             <a:endParaRPr lang="en-US">
               <a:latin typeface="微软雅黑" panose="020B0503020204020204" pitchFamily="34" charset="-122"/>
@@ -15451,7 +15797,7 @@
 </p:sld>
 </file>
 
-<file path=ppt/slides/slide22.xml><?xml version="1.0" encoding="utf-8"?>
+<file path=ppt/slides/slide23.xml><?xml version="1.0" encoding="utf-8"?>
 <p:sld xmlns:a="http://schemas.openxmlformats.org/drawingml/2006/main" xmlns:r="http://schemas.openxmlformats.org/officeDocument/2006/relationships" xmlns:p="http://schemas.openxmlformats.org/presentationml/2006/main">
   <p:cSld>
     <p:spTree>
@@ -15582,7 +15928,7 @@
               <a:pPr>
                 <a:defRPr/>
               </a:pPr>
-              <a:t>22</a:t>
+              <a:t>23</a:t>
             </a:fld>
             <a:endParaRPr lang="en-US"/>
           </a:p>
@@ -15602,7 +15948,7 @@
 </p:sld>
 </file>
 
-<file path=ppt/slides/slide23.xml><?xml version="1.0" encoding="utf-8"?>
+<file path=ppt/slides/slide24.xml><?xml version="1.0" encoding="utf-8"?>
 <p:sld xmlns:a="http://schemas.openxmlformats.org/drawingml/2006/main" xmlns:r="http://schemas.openxmlformats.org/officeDocument/2006/relationships" xmlns:p="http://schemas.openxmlformats.org/presentationml/2006/main">
   <p:cSld>
     <p:spTree>
@@ -15699,7 +16045,7 @@
 </p:sld>
 </file>
 
-<file path=ppt/slides/slide24.xml><?xml version="1.0" encoding="utf-8"?>
+<file path=ppt/slides/slide25.xml><?xml version="1.0" encoding="utf-8"?>
 <p:sld xmlns:a="http://schemas.openxmlformats.org/drawingml/2006/main" xmlns:r="http://schemas.openxmlformats.org/officeDocument/2006/relationships" xmlns:p="http://schemas.openxmlformats.org/presentationml/2006/main">
   <p:cSld>
     <p:spTree>
@@ -16989,7 +17335,7 @@
             <a:effectLst/>
             <a:extLst>
               <a:ext uri="{C572A759-6A51-4108-AA02-DFA0A04FC94B}">
-                <ma14:wrappingTextBoxFlag xmlns="" xmlns:ma14="http://schemas.microsoft.com/office/mac/drawingml/2011/main" val="1"/>
+                <ma14:wrappingTextBoxFlag xmlns:ma14="http://schemas.microsoft.com/office/mac/drawingml/2011/main" xmlns="" val="1"/>
               </a:ext>
             </a:extLst>
           </p:spPr>
@@ -17271,7 +17617,7 @@
             <a:effectLst/>
             <a:extLst>
               <a:ext uri="{C572A759-6A51-4108-AA02-DFA0A04FC94B}">
-                <ma14:wrappingTextBoxFlag xmlns="" xmlns:ma14="http://schemas.microsoft.com/office/mac/drawingml/2011/main" val="1"/>
+                <ma14:wrappingTextBoxFlag xmlns:ma14="http://schemas.microsoft.com/office/mac/drawingml/2011/main" xmlns="" val="1"/>
               </a:ext>
             </a:extLst>
           </p:spPr>
@@ -17511,7 +17857,7 @@
             <a:effectLst/>
             <a:extLst>
               <a:ext uri="{C572A759-6A51-4108-AA02-DFA0A04FC94B}">
-                <ma14:wrappingTextBoxFlag xmlns="" xmlns:ma14="http://schemas.microsoft.com/office/mac/drawingml/2011/main" val="1"/>
+                <ma14:wrappingTextBoxFlag xmlns:ma14="http://schemas.microsoft.com/office/mac/drawingml/2011/main" xmlns="" val="1"/>
               </a:ext>
             </a:extLst>
           </p:spPr>
@@ -17751,7 +18097,7 @@
             <a:effectLst/>
             <a:extLst>
               <a:ext uri="{C572A759-6A51-4108-AA02-DFA0A04FC94B}">
-                <ma14:wrappingTextBoxFlag xmlns="" xmlns:ma14="http://schemas.microsoft.com/office/mac/drawingml/2011/main" val="1"/>
+                <ma14:wrappingTextBoxFlag xmlns:ma14="http://schemas.microsoft.com/office/mac/drawingml/2011/main" xmlns="" val="1"/>
               </a:ext>
             </a:extLst>
           </p:spPr>
@@ -17869,7 +18215,7 @@
             <a:effectLst/>
             <a:extLst>
               <a:ext uri="{C572A759-6A51-4108-AA02-DFA0A04FC94B}">
-                <ma14:wrappingTextBoxFlag xmlns="" xmlns:ma14="http://schemas.microsoft.com/office/mac/drawingml/2011/main" val="1"/>
+                <ma14:wrappingTextBoxFlag xmlns:ma14="http://schemas.microsoft.com/office/mac/drawingml/2011/main" xmlns="" val="1"/>
               </a:ext>
             </a:extLst>
           </p:spPr>
@@ -17987,7 +18333,7 @@
             <a:effectLst/>
             <a:extLst>
               <a:ext uri="{C572A759-6A51-4108-AA02-DFA0A04FC94B}">
-                <ma14:wrappingTextBoxFlag xmlns="" xmlns:ma14="http://schemas.microsoft.com/office/mac/drawingml/2011/main" val="1"/>
+                <ma14:wrappingTextBoxFlag xmlns:ma14="http://schemas.microsoft.com/office/mac/drawingml/2011/main" xmlns="" val="1"/>
               </a:ext>
             </a:extLst>
           </p:spPr>
@@ -18105,7 +18451,7 @@
             <a:effectLst/>
             <a:extLst>
               <a:ext uri="{C572A759-6A51-4108-AA02-DFA0A04FC94B}">
-                <ma14:wrappingTextBoxFlag xmlns="" xmlns:ma14="http://schemas.microsoft.com/office/mac/drawingml/2011/main" val="1"/>
+                <ma14:wrappingTextBoxFlag xmlns:ma14="http://schemas.microsoft.com/office/mac/drawingml/2011/main" xmlns="" val="1"/>
               </a:ext>
             </a:extLst>
           </p:spPr>
@@ -18223,7 +18569,7 @@
             <a:effectLst/>
             <a:extLst>
               <a:ext uri="{C572A759-6A51-4108-AA02-DFA0A04FC94B}">
-                <ma14:wrappingTextBoxFlag xmlns="" xmlns:ma14="http://schemas.microsoft.com/office/mac/drawingml/2011/main" val="1"/>
+                <ma14:wrappingTextBoxFlag xmlns:ma14="http://schemas.microsoft.com/office/mac/drawingml/2011/main" xmlns="" val="1"/>
               </a:ext>
             </a:extLst>
           </p:spPr>
@@ -18341,7 +18687,7 @@
             <a:effectLst/>
             <a:extLst>
               <a:ext uri="{C572A759-6A51-4108-AA02-DFA0A04FC94B}">
-                <ma14:wrappingTextBoxFlag xmlns="" xmlns:ma14="http://schemas.microsoft.com/office/mac/drawingml/2011/main" val="1"/>
+                <ma14:wrappingTextBoxFlag xmlns:ma14="http://schemas.microsoft.com/office/mac/drawingml/2011/main" xmlns="" val="1"/>
               </a:ext>
             </a:extLst>
           </p:spPr>
@@ -18459,7 +18805,7 @@
             <a:effectLst/>
             <a:extLst>
               <a:ext uri="{C572A759-6A51-4108-AA02-DFA0A04FC94B}">
-                <ma14:wrappingTextBoxFlag xmlns="" xmlns:ma14="http://schemas.microsoft.com/office/mac/drawingml/2011/main" val="1"/>
+                <ma14:wrappingTextBoxFlag xmlns:ma14="http://schemas.microsoft.com/office/mac/drawingml/2011/main" xmlns="" val="1"/>
               </a:ext>
             </a:extLst>
           </p:spPr>
@@ -19997,7 +20343,7 @@
         <a:effectLst/>
         <a:extLst>
           <a:ext uri="{91240B29-F687-4f45-9708-019B960494DF}">
-            <a14:hiddenLine xmlns:a14="http://schemas.microsoft.com/office/drawing/2010/main" xmlns="" w="25400" cap="flat" cmpd="sng" algn="ctr">
+            <a14:hiddenLine xmlns="" xmlns:a14="http://schemas.microsoft.com/office/drawing/2010/main" w="25400" cap="flat" cmpd="sng" algn="ctr">
               <a:solidFill>
                 <a:srgbClr val="000000"/>
               </a:solidFill>
@@ -20008,7 +20354,7 @@
             </a14:hiddenLine>
           </a:ext>
           <a:ext uri="{AF507438-7753-43e0-B8FC-AC1667EBCBE1}">
-            <a14:hiddenEffects xmlns:a14="http://schemas.microsoft.com/office/drawing/2010/main" xmlns="">
+            <a14:hiddenEffects xmlns="" xmlns:a14="http://schemas.microsoft.com/office/drawing/2010/main">
               <a:effectLst>
                 <a:outerShdw blurRad="63500" dist="38099" dir="2700000" algn="ctr" rotWithShape="0">
                   <a:schemeClr val="bg2">
@@ -20384,7 +20730,7 @@
         <a:effectLst/>
         <a:extLst>
           <a:ext uri="{91240B29-F687-4f45-9708-019B960494DF}">
-            <a14:hiddenLine xmlns:a14="http://schemas.microsoft.com/office/drawing/2010/main" xmlns="" w="25400" cap="flat" cmpd="sng" algn="ctr">
+            <a14:hiddenLine xmlns="" xmlns:a14="http://schemas.microsoft.com/office/drawing/2010/main" w="25400" cap="flat" cmpd="sng" algn="ctr">
               <a:solidFill>
                 <a:srgbClr val="000000"/>
               </a:solidFill>
@@ -20395,7 +20741,7 @@
             </a14:hiddenLine>
           </a:ext>
           <a:ext uri="{AF507438-7753-43e0-B8FC-AC1667EBCBE1}">
-            <a14:hiddenEffects xmlns:a14="http://schemas.microsoft.com/office/drawing/2010/main" xmlns="">
+            <a14:hiddenEffects xmlns="" xmlns:a14="http://schemas.microsoft.com/office/drawing/2010/main">
               <a:effectLst>
                 <a:outerShdw blurRad="63500" dist="38099" dir="2700000" algn="ctr" rotWithShape="0">
                   <a:schemeClr val="bg2">
@@ -20771,7 +21117,7 @@
         <a:effectLst/>
         <a:extLst>
           <a:ext uri="{91240B29-F687-4f45-9708-019B960494DF}">
-            <a14:hiddenLine xmlns:a14="http://schemas.microsoft.com/office/drawing/2010/main" xmlns="" w="25400" cap="flat" cmpd="sng" algn="ctr">
+            <a14:hiddenLine xmlns="" xmlns:a14="http://schemas.microsoft.com/office/drawing/2010/main" w="25400" cap="flat" cmpd="sng" algn="ctr">
               <a:solidFill>
                 <a:srgbClr val="000000"/>
               </a:solidFill>
@@ -20782,7 +21128,7 @@
             </a14:hiddenLine>
           </a:ext>
           <a:ext uri="{AF507438-7753-43e0-B8FC-AC1667EBCBE1}">
-            <a14:hiddenEffects xmlns:a14="http://schemas.microsoft.com/office/drawing/2010/main" xmlns="">
+            <a14:hiddenEffects xmlns="" xmlns:a14="http://schemas.microsoft.com/office/drawing/2010/main">
               <a:effectLst>
                 <a:outerShdw blurRad="63500" dist="38099" dir="2700000" algn="ctr" rotWithShape="0">
                   <a:schemeClr val="bg2">
